--- a/SuSS/2023_Sem1_ANL252_Python_4_Biz/3_Lecturer/Lecture_3/ANL252_SU3_Jan2023 (MK Edits).pptx
+++ b/SuSS/2023_Sem1_ANL252_Python_4_Biz/3_Lecturer/Lecture_3/ANL252_SU3_Jan2023 (MK Edits).pptx
@@ -5,55 +5,56 @@
     <p:sldMasterId id="2147483648" r:id="rId4"/>
     <p:sldMasterId id="2147483660" r:id="rId5"/>
     <p:sldMasterId id="2147483680" r:id="rId6"/>
+    <p:sldMasterId id="2147483682" r:id="rId7"/>
   </p:sldMasterIdLst>
   <p:notesMasterIdLst>
-    <p:notesMasterId r:id="rId43"/>
+    <p:notesMasterId r:id="rId44"/>
   </p:notesMasterIdLst>
   <p:handoutMasterIdLst>
-    <p:handoutMasterId r:id="rId44"/>
+    <p:handoutMasterId r:id="rId45"/>
   </p:handoutMasterIdLst>
   <p:sldIdLst>
-    <p:sldId id="392" r:id="rId7"/>
-    <p:sldId id="393" r:id="rId8"/>
-    <p:sldId id="394" r:id="rId9"/>
-    <p:sldId id="337" r:id="rId10"/>
-    <p:sldId id="374" r:id="rId11"/>
-    <p:sldId id="378" r:id="rId12"/>
-    <p:sldId id="290" r:id="rId13"/>
-    <p:sldId id="400" r:id="rId14"/>
-    <p:sldId id="291" r:id="rId15"/>
-    <p:sldId id="389" r:id="rId16"/>
-    <p:sldId id="293" r:id="rId17"/>
-    <p:sldId id="390" r:id="rId18"/>
-    <p:sldId id="297" r:id="rId19"/>
-    <p:sldId id="391" r:id="rId20"/>
-    <p:sldId id="301" r:id="rId21"/>
-    <p:sldId id="401" r:id="rId22"/>
-    <p:sldId id="403" r:id="rId23"/>
-    <p:sldId id="402" r:id="rId24"/>
-    <p:sldId id="379" r:id="rId25"/>
-    <p:sldId id="395" r:id="rId26"/>
-    <p:sldId id="386" r:id="rId27"/>
-    <p:sldId id="405" r:id="rId28"/>
-    <p:sldId id="376" r:id="rId29"/>
-    <p:sldId id="380" r:id="rId30"/>
-    <p:sldId id="381" r:id="rId31"/>
-    <p:sldId id="303" r:id="rId32"/>
-    <p:sldId id="383" r:id="rId33"/>
-    <p:sldId id="307" r:id="rId34"/>
-    <p:sldId id="387" r:id="rId35"/>
-    <p:sldId id="404" r:id="rId36"/>
-    <p:sldId id="396" r:id="rId37"/>
-    <p:sldId id="388" r:id="rId38"/>
-    <p:sldId id="397" r:id="rId39"/>
-    <p:sldId id="398" r:id="rId40"/>
-    <p:sldId id="385" r:id="rId41"/>
-    <p:sldId id="399" r:id="rId42"/>
+    <p:sldId id="416" r:id="rId8"/>
+    <p:sldId id="393" r:id="rId9"/>
+    <p:sldId id="394" r:id="rId10"/>
+    <p:sldId id="337" r:id="rId11"/>
+    <p:sldId id="374" r:id="rId12"/>
+    <p:sldId id="378" r:id="rId13"/>
+    <p:sldId id="290" r:id="rId14"/>
+    <p:sldId id="400" r:id="rId15"/>
+    <p:sldId id="291" r:id="rId16"/>
+    <p:sldId id="389" r:id="rId17"/>
+    <p:sldId id="293" r:id="rId18"/>
+    <p:sldId id="390" r:id="rId19"/>
+    <p:sldId id="297" r:id="rId20"/>
+    <p:sldId id="391" r:id="rId21"/>
+    <p:sldId id="301" r:id="rId22"/>
+    <p:sldId id="401" r:id="rId23"/>
+    <p:sldId id="403" r:id="rId24"/>
+    <p:sldId id="402" r:id="rId25"/>
+    <p:sldId id="379" r:id="rId26"/>
+    <p:sldId id="395" r:id="rId27"/>
+    <p:sldId id="386" r:id="rId28"/>
+    <p:sldId id="405" r:id="rId29"/>
+    <p:sldId id="376" r:id="rId30"/>
+    <p:sldId id="380" r:id="rId31"/>
+    <p:sldId id="381" r:id="rId32"/>
+    <p:sldId id="303" r:id="rId33"/>
+    <p:sldId id="383" r:id="rId34"/>
+    <p:sldId id="307" r:id="rId35"/>
+    <p:sldId id="387" r:id="rId36"/>
+    <p:sldId id="404" r:id="rId37"/>
+    <p:sldId id="396" r:id="rId38"/>
+    <p:sldId id="388" r:id="rId39"/>
+    <p:sldId id="397" r:id="rId40"/>
+    <p:sldId id="398" r:id="rId41"/>
+    <p:sldId id="385" r:id="rId42"/>
+    <p:sldId id="399" r:id="rId43"/>
   </p:sldIdLst>
   <p:sldSz cx="9144000" cy="6858000" type="screen4x3"/>
   <p:notesSz cx="6858000" cy="9144000"/>
   <p:custDataLst>
-    <p:tags r:id="rId45"/>
+    <p:tags r:id="rId46"/>
   </p:custDataLst>
   <p:defaultTextStyle>
     <a:defPPr>
@@ -12299,6 +12300,199 @@
 </file>
 
 <file path=ppt/slideLayouts/slideLayout28.xml><?xml version="1.0" encoding="utf-8"?>
+<p:sldLayout xmlns:a="http://schemas.openxmlformats.org/drawingml/2006/main" xmlns:r="http://schemas.openxmlformats.org/officeDocument/2006/relationships" xmlns:p="http://schemas.openxmlformats.org/presentationml/2006/main" preserve="1" userDrawn="1">
+  <p:cSld name="Title and Content">
+    <p:spTree>
+      <p:nvGrpSpPr>
+        <p:cNvPr id="1" name=""/>
+        <p:cNvGrpSpPr/>
+        <p:nvPr/>
+      </p:nvGrpSpPr>
+      <p:grpSpPr>
+        <a:xfrm>
+          <a:off x="0" y="0"/>
+          <a:ext cx="0" cy="0"/>
+          <a:chOff x="0" y="0"/>
+          <a:chExt cx="0" cy="0"/>
+        </a:xfrm>
+      </p:grpSpPr>
+      <p:sp>
+        <p:nvSpPr>
+          <p:cNvPr id="5" name="Title 1"/>
+          <p:cNvSpPr>
+            <a:spLocks noGrp="1"/>
+          </p:cNvSpPr>
+          <p:nvPr>
+            <p:ph type="title"/>
+          </p:nvPr>
+        </p:nvSpPr>
+        <p:spPr>
+          <a:xfrm>
+            <a:off x="611560" y="2819400"/>
+            <a:ext cx="7914456" cy="609600"/>
+          </a:xfrm>
+          <a:prstGeom prst="rect">
+            <a:avLst/>
+          </a:prstGeom>
+        </p:spPr>
+        <p:txBody>
+          <a:bodyPr/>
+          <a:lstStyle>
+            <a:lvl1pPr algn="l">
+              <a:defRPr sz="2625">
+                <a:solidFill>
+                  <a:schemeClr val="bg1"/>
+                </a:solidFill>
+                <a:latin typeface="Lucida sans"/>
+                <a:cs typeface="Lucida sans"/>
+              </a:defRPr>
+            </a:lvl1pPr>
+          </a:lstStyle>
+          <a:p>
+            <a:r>
+              <a:rPr lang="en-US" altLang="en-US" dirty="0"/>
+              <a:t>Click to edit Master title style</a:t>
+            </a:r>
+            <a:endParaRPr lang="en-US" dirty="0"/>
+          </a:p>
+        </p:txBody>
+      </p:sp>
+      <p:sp>
+        <p:nvSpPr>
+          <p:cNvPr id="6" name="Text Placeholder 7"/>
+          <p:cNvSpPr>
+            <a:spLocks noGrp="1"/>
+          </p:cNvSpPr>
+          <p:nvPr>
+            <p:ph type="body" sz="quarter" idx="11"/>
+          </p:nvPr>
+        </p:nvSpPr>
+        <p:spPr>
+          <a:xfrm>
+            <a:off x="611560" y="3564179"/>
+            <a:ext cx="7914456" cy="360000"/>
+          </a:xfrm>
+          <a:prstGeom prst="rect">
+            <a:avLst/>
+          </a:prstGeom>
+        </p:spPr>
+        <p:txBody>
+          <a:bodyPr vert="horz"/>
+          <a:lstStyle>
+            <a:lvl1pPr marL="257175" marR="0" indent="-257175" algn="l" defTabSz="342900" rtl="0" eaLnBrk="0" fontAlgn="base" latinLnBrk="0" hangingPunct="0">
+              <a:lnSpc>
+                <a:spcPct val="100000"/>
+              </a:lnSpc>
+              <a:spcBef>
+                <a:spcPct val="20000"/>
+              </a:spcBef>
+              <a:spcAft>
+                <a:spcPct val="0"/>
+              </a:spcAft>
+              <a:buClrTx/>
+              <a:buSzTx/>
+              <a:buFontTx/>
+              <a:buNone/>
+              <a:tabLst/>
+              <a:defRPr sz="1200" b="0" baseline="0">
+                <a:solidFill>
+                  <a:schemeClr val="bg1"/>
+                </a:solidFill>
+                <a:latin typeface="Lucida sans"/>
+                <a:cs typeface="Lucida sans"/>
+              </a:defRPr>
+            </a:lvl1pPr>
+            <a:lvl2pPr marL="1191" indent="-1191">
+              <a:buFontTx/>
+              <a:buNone/>
+              <a:tabLst/>
+              <a:defRPr sz="1050"/>
+            </a:lvl2pPr>
+          </a:lstStyle>
+          <a:p>
+            <a:pPr lvl="0"/>
+            <a:r>
+              <a:rPr lang="en-US" altLang="en-US" dirty="0"/>
+              <a:t>Click to edit Master text styles</a:t>
+            </a:r>
+          </a:p>
+        </p:txBody>
+      </p:sp>
+      <p:sp>
+        <p:nvSpPr>
+          <p:cNvPr id="7" name="Text Placeholder 7"/>
+          <p:cNvSpPr>
+            <a:spLocks noGrp="1"/>
+          </p:cNvSpPr>
+          <p:nvPr>
+            <p:ph type="body" sz="quarter" idx="12"/>
+          </p:nvPr>
+        </p:nvSpPr>
+        <p:spPr>
+          <a:xfrm>
+            <a:off x="611560" y="3933096"/>
+            <a:ext cx="7914456" cy="360000"/>
+          </a:xfrm>
+          <a:prstGeom prst="rect">
+            <a:avLst/>
+          </a:prstGeom>
+        </p:spPr>
+        <p:txBody>
+          <a:bodyPr vert="horz"/>
+          <a:lstStyle>
+            <a:lvl1pPr marL="257175" marR="0" indent="-257175" algn="l" defTabSz="342900" rtl="0" eaLnBrk="0" fontAlgn="base" latinLnBrk="0" hangingPunct="0">
+              <a:lnSpc>
+                <a:spcPct val="100000"/>
+              </a:lnSpc>
+              <a:spcBef>
+                <a:spcPct val="20000"/>
+              </a:spcBef>
+              <a:spcAft>
+                <a:spcPct val="0"/>
+              </a:spcAft>
+              <a:buClrTx/>
+              <a:buSzTx/>
+              <a:buFontTx/>
+              <a:buNone/>
+              <a:tabLst/>
+              <a:defRPr sz="1200" b="0" baseline="0">
+                <a:solidFill>
+                  <a:schemeClr val="bg1"/>
+                </a:solidFill>
+                <a:latin typeface="Lucida sans"/>
+                <a:cs typeface="Lucida sans"/>
+              </a:defRPr>
+            </a:lvl1pPr>
+            <a:lvl2pPr marL="1191" indent="-1191">
+              <a:buFontTx/>
+              <a:buNone/>
+              <a:tabLst/>
+              <a:defRPr sz="1050"/>
+            </a:lvl2pPr>
+          </a:lstStyle>
+          <a:p>
+            <a:pPr lvl="0"/>
+            <a:r>
+              <a:rPr lang="en-US" altLang="en-US" dirty="0"/>
+              <a:t>Click to edit Master text styles</a:t>
+            </a:r>
+          </a:p>
+        </p:txBody>
+      </p:sp>
+    </p:spTree>
+    <p:extLst>
+      <p:ext uri="{BB962C8B-B14F-4D97-AF65-F5344CB8AC3E}">
+        <p14:creationId xmlns:p14="http://schemas.microsoft.com/office/powerpoint/2010/main" val="3519062648"/>
+      </p:ext>
+    </p:extLst>
+  </p:cSld>
+  <p:clrMapOvr>
+    <a:masterClrMapping/>
+  </p:clrMapOvr>
+</p:sldLayout>
+</file>
+
+<file path=ppt/slideLayouts/slideLayout29.xml><?xml version="1.0" encoding="utf-8"?>
 <p:sldLayout xmlns:a="http://schemas.openxmlformats.org/drawingml/2006/main" xmlns:r="http://schemas.openxmlformats.org/officeDocument/2006/relationships" xmlns:p="http://schemas.openxmlformats.org/presentationml/2006/main" userDrawn="1">
   <p:cSld name="2_Title and Content">
     <p:spTree>
@@ -12442,7 +12636,7 @@
     </p:spTree>
     <p:extLst>
       <p:ext uri="{BB962C8B-B14F-4D97-AF65-F5344CB8AC3E}">
-        <p14:creationId xmlns:p14="http://schemas.microsoft.com/office/powerpoint/2010/main" val="2126599284"/>
+        <p14:creationId xmlns:p14="http://schemas.microsoft.com/office/powerpoint/2010/main" val="615185591"/>
       </p:ext>
     </p:extLst>
   </p:cSld>
@@ -16150,6 +16344,1810 @@
           <p:nvPr userDrawn="1"/>
         </p:nvPicPr>
         <p:blipFill>
+          <a:blip r:embed="rId3" cstate="print">
+            <a:extLst>
+              <a:ext uri="{28A0092B-C50C-407E-A947-70E740481C1C}">
+                <a14:useLocalDpi xmlns:a14="http://schemas.microsoft.com/office/drawing/2010/main" val="0"/>
+              </a:ext>
+            </a:extLst>
+          </a:blip>
+          <a:srcRect l="16106" t="18172" r="16106" b="18172"/>
+          <a:stretch>
+            <a:fillRect/>
+          </a:stretch>
+        </p:blipFill>
+        <p:spPr bwMode="auto">
+          <a:xfrm>
+            <a:off x="7110413" y="284163"/>
+            <a:ext cx="1706562" cy="887412"/>
+          </a:xfrm>
+          <a:prstGeom prst="rect">
+            <a:avLst/>
+          </a:prstGeom>
+          <a:noFill/>
+          <a:ln>
+            <a:noFill/>
+          </a:ln>
+          <a:extLst>
+            <a:ext uri="{909E8E84-426E-40DD-AFC4-6F175D3DCCD1}">
+              <a14:hiddenFill xmlns:a14="http://schemas.microsoft.com/office/drawing/2010/main">
+                <a:solidFill>
+                  <a:srgbClr val="FFFFFF"/>
+                </a:solidFill>
+              </a14:hiddenFill>
+            </a:ext>
+            <a:ext uri="{91240B29-F687-4F45-9708-019B960494DF}">
+              <a14:hiddenLine xmlns:a14="http://schemas.microsoft.com/office/drawing/2010/main" w="9525">
+                <a:solidFill>
+                  <a:srgbClr val="000000"/>
+                </a:solidFill>
+                <a:miter lim="800000"/>
+                <a:headEnd/>
+                <a:tailEnd/>
+              </a14:hiddenLine>
+            </a:ext>
+          </a:extLst>
+        </p:spPr>
+      </p:pic>
+    </p:spTree>
+    <p:extLst>
+      <p:ext uri="{BB962C8B-B14F-4D97-AF65-F5344CB8AC3E}">
+        <p14:creationId xmlns:p14="http://schemas.microsoft.com/office/powerpoint/2010/main" val="1435586373"/>
+      </p:ext>
+    </p:extLst>
+  </p:cSld>
+  <p:clrMap bg1="lt1" tx1="dk1" bg2="lt2" tx2="dk2" accent1="accent1" accent2="accent2" accent3="accent3" accent4="accent4" accent5="accent5" accent6="accent6" hlink="hlink" folHlink="folHlink"/>
+  <p:sldLayoutIdLst>
+    <p:sldLayoutId id="2147483681" r:id="rId1"/>
+  </p:sldLayoutIdLst>
+  <p:txStyles>
+    <p:titleStyle>
+      <a:lvl1pPr algn="ctr" defTabSz="342900" rtl="0" eaLnBrk="0" fontAlgn="base" hangingPunct="0">
+        <a:spcBef>
+          <a:spcPct val="0"/>
+        </a:spcBef>
+        <a:spcAft>
+          <a:spcPct val="0"/>
+        </a:spcAft>
+        <a:defRPr sz="3300" kern="1200">
+          <a:solidFill>
+            <a:schemeClr val="tx1"/>
+          </a:solidFill>
+          <a:latin typeface="+mj-lt"/>
+          <a:ea typeface="ヒラギノ角ゴ Pro W3" charset="-128"/>
+          <a:cs typeface="ヒラギノ角ゴ Pro W3" charset="-128"/>
+        </a:defRPr>
+      </a:lvl1pPr>
+      <a:lvl2pPr algn="ctr" defTabSz="342900" rtl="0" eaLnBrk="0" fontAlgn="base" hangingPunct="0">
+        <a:spcBef>
+          <a:spcPct val="0"/>
+        </a:spcBef>
+        <a:spcAft>
+          <a:spcPct val="0"/>
+        </a:spcAft>
+        <a:defRPr sz="3300">
+          <a:solidFill>
+            <a:schemeClr val="tx1"/>
+          </a:solidFill>
+          <a:latin typeface="Calibri" pitchFamily="-65" charset="0"/>
+          <a:ea typeface="ヒラギノ角ゴ Pro W3" charset="-128"/>
+          <a:cs typeface="ヒラギノ角ゴ Pro W3" charset="-128"/>
+        </a:defRPr>
+      </a:lvl2pPr>
+      <a:lvl3pPr algn="ctr" defTabSz="342900" rtl="0" eaLnBrk="0" fontAlgn="base" hangingPunct="0">
+        <a:spcBef>
+          <a:spcPct val="0"/>
+        </a:spcBef>
+        <a:spcAft>
+          <a:spcPct val="0"/>
+        </a:spcAft>
+        <a:defRPr sz="3300">
+          <a:solidFill>
+            <a:schemeClr val="tx1"/>
+          </a:solidFill>
+          <a:latin typeface="Calibri" pitchFamily="-65" charset="0"/>
+          <a:ea typeface="ヒラギノ角ゴ Pro W3" charset="-128"/>
+          <a:cs typeface="ヒラギノ角ゴ Pro W3" charset="-128"/>
+        </a:defRPr>
+      </a:lvl3pPr>
+      <a:lvl4pPr algn="ctr" defTabSz="342900" rtl="0" eaLnBrk="0" fontAlgn="base" hangingPunct="0">
+        <a:spcBef>
+          <a:spcPct val="0"/>
+        </a:spcBef>
+        <a:spcAft>
+          <a:spcPct val="0"/>
+        </a:spcAft>
+        <a:defRPr sz="3300">
+          <a:solidFill>
+            <a:schemeClr val="tx1"/>
+          </a:solidFill>
+          <a:latin typeface="Calibri" pitchFamily="-65" charset="0"/>
+          <a:ea typeface="ヒラギノ角ゴ Pro W3" charset="-128"/>
+          <a:cs typeface="ヒラギノ角ゴ Pro W3" charset="-128"/>
+        </a:defRPr>
+      </a:lvl4pPr>
+      <a:lvl5pPr algn="ctr" defTabSz="342900" rtl="0" eaLnBrk="0" fontAlgn="base" hangingPunct="0">
+        <a:spcBef>
+          <a:spcPct val="0"/>
+        </a:spcBef>
+        <a:spcAft>
+          <a:spcPct val="0"/>
+        </a:spcAft>
+        <a:defRPr sz="3300">
+          <a:solidFill>
+            <a:schemeClr val="tx1"/>
+          </a:solidFill>
+          <a:latin typeface="Calibri" pitchFamily="-65" charset="0"/>
+          <a:ea typeface="ヒラギノ角ゴ Pro W3" charset="-128"/>
+          <a:cs typeface="ヒラギノ角ゴ Pro W3" charset="-128"/>
+        </a:defRPr>
+      </a:lvl5pPr>
+      <a:lvl6pPr marL="342900" algn="ctr" defTabSz="342900" rtl="0" fontAlgn="base">
+        <a:spcBef>
+          <a:spcPct val="0"/>
+        </a:spcBef>
+        <a:spcAft>
+          <a:spcPct val="0"/>
+        </a:spcAft>
+        <a:defRPr sz="3300">
+          <a:solidFill>
+            <a:schemeClr val="tx1"/>
+          </a:solidFill>
+          <a:latin typeface="Calibri" pitchFamily="-65" charset="0"/>
+          <a:ea typeface="ヒラギノ角ゴ Pro W3" charset="-128"/>
+          <a:cs typeface="ヒラギノ角ゴ Pro W3" charset="-128"/>
+        </a:defRPr>
+      </a:lvl6pPr>
+      <a:lvl7pPr marL="685800" algn="ctr" defTabSz="342900" rtl="0" fontAlgn="base">
+        <a:spcBef>
+          <a:spcPct val="0"/>
+        </a:spcBef>
+        <a:spcAft>
+          <a:spcPct val="0"/>
+        </a:spcAft>
+        <a:defRPr sz="3300">
+          <a:solidFill>
+            <a:schemeClr val="tx1"/>
+          </a:solidFill>
+          <a:latin typeface="Calibri" pitchFamily="-65" charset="0"/>
+          <a:ea typeface="ヒラギノ角ゴ Pro W3" charset="-128"/>
+          <a:cs typeface="ヒラギノ角ゴ Pro W3" charset="-128"/>
+        </a:defRPr>
+      </a:lvl7pPr>
+      <a:lvl8pPr marL="1028700" algn="ctr" defTabSz="342900" rtl="0" fontAlgn="base">
+        <a:spcBef>
+          <a:spcPct val="0"/>
+        </a:spcBef>
+        <a:spcAft>
+          <a:spcPct val="0"/>
+        </a:spcAft>
+        <a:defRPr sz="3300">
+          <a:solidFill>
+            <a:schemeClr val="tx1"/>
+          </a:solidFill>
+          <a:latin typeface="Calibri" pitchFamily="-65" charset="0"/>
+          <a:ea typeface="ヒラギノ角ゴ Pro W3" charset="-128"/>
+          <a:cs typeface="ヒラギノ角ゴ Pro W3" charset="-128"/>
+        </a:defRPr>
+      </a:lvl8pPr>
+      <a:lvl9pPr marL="1371600" algn="ctr" defTabSz="342900" rtl="0" fontAlgn="base">
+        <a:spcBef>
+          <a:spcPct val="0"/>
+        </a:spcBef>
+        <a:spcAft>
+          <a:spcPct val="0"/>
+        </a:spcAft>
+        <a:defRPr sz="3300">
+          <a:solidFill>
+            <a:schemeClr val="tx1"/>
+          </a:solidFill>
+          <a:latin typeface="Calibri" pitchFamily="-65" charset="0"/>
+          <a:ea typeface="ヒラギノ角ゴ Pro W3" charset="-128"/>
+          <a:cs typeface="ヒラギノ角ゴ Pro W3" charset="-128"/>
+        </a:defRPr>
+      </a:lvl9pPr>
+    </p:titleStyle>
+    <p:bodyStyle>
+      <a:lvl1pPr marL="257175" indent="-257175" algn="l" defTabSz="342900" rtl="0" eaLnBrk="0" fontAlgn="base" hangingPunct="0">
+        <a:spcBef>
+          <a:spcPct val="20000"/>
+        </a:spcBef>
+        <a:spcAft>
+          <a:spcPct val="0"/>
+        </a:spcAft>
+        <a:buFont typeface="Arial" panose="020B0604020202020204" pitchFamily="34" charset="0"/>
+        <a:buChar char="•"/>
+        <a:defRPr sz="2400" kern="1200">
+          <a:solidFill>
+            <a:schemeClr val="tx1"/>
+          </a:solidFill>
+          <a:latin typeface="+mn-lt"/>
+          <a:ea typeface="ヒラギノ角ゴ Pro W3" charset="-128"/>
+          <a:cs typeface="ヒラギノ角ゴ Pro W3" charset="-128"/>
+        </a:defRPr>
+      </a:lvl1pPr>
+      <a:lvl2pPr marL="557213" indent="-214313" algn="l" defTabSz="342900" rtl="0" eaLnBrk="0" fontAlgn="base" hangingPunct="0">
+        <a:spcBef>
+          <a:spcPct val="20000"/>
+        </a:spcBef>
+        <a:spcAft>
+          <a:spcPct val="0"/>
+        </a:spcAft>
+        <a:buFont typeface="Arial" panose="020B0604020202020204" pitchFamily="34" charset="0"/>
+        <a:buChar char="–"/>
+        <a:defRPr sz="2100" kern="1200">
+          <a:solidFill>
+            <a:schemeClr val="tx1"/>
+          </a:solidFill>
+          <a:latin typeface="+mn-lt"/>
+          <a:ea typeface="ヒラギノ角ゴ Pro W3" charset="-128"/>
+          <a:cs typeface="ヒラギノ角ゴ Pro W3"/>
+        </a:defRPr>
+      </a:lvl2pPr>
+      <a:lvl3pPr marL="857250" indent="-171450" algn="l" defTabSz="342900" rtl="0" eaLnBrk="0" fontAlgn="base" hangingPunct="0">
+        <a:spcBef>
+          <a:spcPct val="20000"/>
+        </a:spcBef>
+        <a:spcAft>
+          <a:spcPct val="0"/>
+        </a:spcAft>
+        <a:buFont typeface="Arial" panose="020B0604020202020204" pitchFamily="34" charset="0"/>
+        <a:buChar char="•"/>
+        <a:defRPr sz="1800" kern="1200">
+          <a:solidFill>
+            <a:schemeClr val="tx1"/>
+          </a:solidFill>
+          <a:latin typeface="+mn-lt"/>
+          <a:ea typeface="ヒラギノ角ゴ Pro W3" charset="-128"/>
+          <a:cs typeface="ヒラギノ角ゴ Pro W3"/>
+        </a:defRPr>
+      </a:lvl3pPr>
+      <a:lvl4pPr marL="1200150" indent="-171450" algn="l" defTabSz="342900" rtl="0" eaLnBrk="0" fontAlgn="base" hangingPunct="0">
+        <a:spcBef>
+          <a:spcPct val="20000"/>
+        </a:spcBef>
+        <a:spcAft>
+          <a:spcPct val="0"/>
+        </a:spcAft>
+        <a:buFont typeface="Arial" panose="020B0604020202020204" pitchFamily="34" charset="0"/>
+        <a:buChar char="–"/>
+        <a:defRPr sz="1500" kern="1200">
+          <a:solidFill>
+            <a:schemeClr val="tx1"/>
+          </a:solidFill>
+          <a:latin typeface="+mn-lt"/>
+          <a:ea typeface="ヒラギノ角ゴ Pro W3" charset="-128"/>
+          <a:cs typeface="ヒラギノ角ゴ Pro W3"/>
+        </a:defRPr>
+      </a:lvl4pPr>
+      <a:lvl5pPr marL="1543050" indent="-171450" algn="l" defTabSz="342900" rtl="0" eaLnBrk="0" fontAlgn="base" hangingPunct="0">
+        <a:spcBef>
+          <a:spcPct val="20000"/>
+        </a:spcBef>
+        <a:spcAft>
+          <a:spcPct val="0"/>
+        </a:spcAft>
+        <a:buFont typeface="Arial" panose="020B0604020202020204" pitchFamily="34" charset="0"/>
+        <a:buChar char="»"/>
+        <a:defRPr sz="1500" kern="1200">
+          <a:solidFill>
+            <a:schemeClr val="tx1"/>
+          </a:solidFill>
+          <a:latin typeface="+mn-lt"/>
+          <a:ea typeface="ヒラギノ角ゴ Pro W3" charset="-128"/>
+          <a:cs typeface="ヒラギノ角ゴ Pro W3"/>
+        </a:defRPr>
+      </a:lvl5pPr>
+      <a:lvl6pPr marL="1885950" indent="-171450" algn="l" defTabSz="342900" rtl="0" eaLnBrk="1" latinLnBrk="0" hangingPunct="1">
+        <a:spcBef>
+          <a:spcPct val="20000"/>
+        </a:spcBef>
+        <a:buFont typeface="Arial"/>
+        <a:buChar char="•"/>
+        <a:defRPr sz="1500" kern="1200">
+          <a:solidFill>
+            <a:schemeClr val="tx1"/>
+          </a:solidFill>
+          <a:latin typeface="+mn-lt"/>
+          <a:ea typeface="+mn-ea"/>
+          <a:cs typeface="+mn-cs"/>
+        </a:defRPr>
+      </a:lvl6pPr>
+      <a:lvl7pPr marL="2228850" indent="-171450" algn="l" defTabSz="342900" rtl="0" eaLnBrk="1" latinLnBrk="0" hangingPunct="1">
+        <a:spcBef>
+          <a:spcPct val="20000"/>
+        </a:spcBef>
+        <a:buFont typeface="Arial"/>
+        <a:buChar char="•"/>
+        <a:defRPr sz="1500" kern="1200">
+          <a:solidFill>
+            <a:schemeClr val="tx1"/>
+          </a:solidFill>
+          <a:latin typeface="+mn-lt"/>
+          <a:ea typeface="+mn-ea"/>
+          <a:cs typeface="+mn-cs"/>
+        </a:defRPr>
+      </a:lvl7pPr>
+      <a:lvl8pPr marL="2571750" indent="-171450" algn="l" defTabSz="342900" rtl="0" eaLnBrk="1" latinLnBrk="0" hangingPunct="1">
+        <a:spcBef>
+          <a:spcPct val="20000"/>
+        </a:spcBef>
+        <a:buFont typeface="Arial"/>
+        <a:buChar char="•"/>
+        <a:defRPr sz="1500" kern="1200">
+          <a:solidFill>
+            <a:schemeClr val="tx1"/>
+          </a:solidFill>
+          <a:latin typeface="+mn-lt"/>
+          <a:ea typeface="+mn-ea"/>
+          <a:cs typeface="+mn-cs"/>
+        </a:defRPr>
+      </a:lvl8pPr>
+      <a:lvl9pPr marL="2914650" indent="-171450" algn="l" defTabSz="342900" rtl="0" eaLnBrk="1" latinLnBrk="0" hangingPunct="1">
+        <a:spcBef>
+          <a:spcPct val="20000"/>
+        </a:spcBef>
+        <a:buFont typeface="Arial"/>
+        <a:buChar char="•"/>
+        <a:defRPr sz="1500" kern="1200">
+          <a:solidFill>
+            <a:schemeClr val="tx1"/>
+          </a:solidFill>
+          <a:latin typeface="+mn-lt"/>
+          <a:ea typeface="+mn-ea"/>
+          <a:cs typeface="+mn-cs"/>
+        </a:defRPr>
+      </a:lvl9pPr>
+    </p:bodyStyle>
+    <p:otherStyle>
+      <a:defPPr>
+        <a:defRPr lang="en-US"/>
+      </a:defPPr>
+      <a:lvl1pPr marL="0" algn="l" defTabSz="342900" rtl="0" eaLnBrk="1" latinLnBrk="0" hangingPunct="1">
+        <a:defRPr sz="1350" kern="1200">
+          <a:solidFill>
+            <a:schemeClr val="tx1"/>
+          </a:solidFill>
+          <a:latin typeface="+mn-lt"/>
+          <a:ea typeface="+mn-ea"/>
+          <a:cs typeface="+mn-cs"/>
+        </a:defRPr>
+      </a:lvl1pPr>
+      <a:lvl2pPr marL="342900" algn="l" defTabSz="342900" rtl="0" eaLnBrk="1" latinLnBrk="0" hangingPunct="1">
+        <a:defRPr sz="1350" kern="1200">
+          <a:solidFill>
+            <a:schemeClr val="tx1"/>
+          </a:solidFill>
+          <a:latin typeface="+mn-lt"/>
+          <a:ea typeface="+mn-ea"/>
+          <a:cs typeface="+mn-cs"/>
+        </a:defRPr>
+      </a:lvl2pPr>
+      <a:lvl3pPr marL="685800" algn="l" defTabSz="342900" rtl="0" eaLnBrk="1" latinLnBrk="0" hangingPunct="1">
+        <a:defRPr sz="1350" kern="1200">
+          <a:solidFill>
+            <a:schemeClr val="tx1"/>
+          </a:solidFill>
+          <a:latin typeface="+mn-lt"/>
+          <a:ea typeface="+mn-ea"/>
+          <a:cs typeface="+mn-cs"/>
+        </a:defRPr>
+      </a:lvl3pPr>
+      <a:lvl4pPr marL="1028700" algn="l" defTabSz="342900" rtl="0" eaLnBrk="1" latinLnBrk="0" hangingPunct="1">
+        <a:defRPr sz="1350" kern="1200">
+          <a:solidFill>
+            <a:schemeClr val="tx1"/>
+          </a:solidFill>
+          <a:latin typeface="+mn-lt"/>
+          <a:ea typeface="+mn-ea"/>
+          <a:cs typeface="+mn-cs"/>
+        </a:defRPr>
+      </a:lvl4pPr>
+      <a:lvl5pPr marL="1371600" algn="l" defTabSz="342900" rtl="0" eaLnBrk="1" latinLnBrk="0" hangingPunct="1">
+        <a:defRPr sz="1350" kern="1200">
+          <a:solidFill>
+            <a:schemeClr val="tx1"/>
+          </a:solidFill>
+          <a:latin typeface="+mn-lt"/>
+          <a:ea typeface="+mn-ea"/>
+          <a:cs typeface="+mn-cs"/>
+        </a:defRPr>
+      </a:lvl5pPr>
+      <a:lvl6pPr marL="1714500" algn="l" defTabSz="342900" rtl="0" eaLnBrk="1" latinLnBrk="0" hangingPunct="1">
+        <a:defRPr sz="1350" kern="1200">
+          <a:solidFill>
+            <a:schemeClr val="tx1"/>
+          </a:solidFill>
+          <a:latin typeface="+mn-lt"/>
+          <a:ea typeface="+mn-ea"/>
+          <a:cs typeface="+mn-cs"/>
+        </a:defRPr>
+      </a:lvl6pPr>
+      <a:lvl7pPr marL="2057400" algn="l" defTabSz="342900" rtl="0" eaLnBrk="1" latinLnBrk="0" hangingPunct="1">
+        <a:defRPr sz="1350" kern="1200">
+          <a:solidFill>
+            <a:schemeClr val="tx1"/>
+          </a:solidFill>
+          <a:latin typeface="+mn-lt"/>
+          <a:ea typeface="+mn-ea"/>
+          <a:cs typeface="+mn-cs"/>
+        </a:defRPr>
+      </a:lvl7pPr>
+      <a:lvl8pPr marL="2400300" algn="l" defTabSz="342900" rtl="0" eaLnBrk="1" latinLnBrk="0" hangingPunct="1">
+        <a:defRPr sz="1350" kern="1200">
+          <a:solidFill>
+            <a:schemeClr val="tx1"/>
+          </a:solidFill>
+          <a:latin typeface="+mn-lt"/>
+          <a:ea typeface="+mn-ea"/>
+          <a:cs typeface="+mn-cs"/>
+        </a:defRPr>
+      </a:lvl8pPr>
+      <a:lvl9pPr marL="2743200" algn="l" defTabSz="342900" rtl="0" eaLnBrk="1" latinLnBrk="0" hangingPunct="1">
+        <a:defRPr sz="1350" kern="1200">
+          <a:solidFill>
+            <a:schemeClr val="tx1"/>
+          </a:solidFill>
+          <a:latin typeface="+mn-lt"/>
+          <a:ea typeface="+mn-ea"/>
+          <a:cs typeface="+mn-cs"/>
+        </a:defRPr>
+      </a:lvl9pPr>
+    </p:otherStyle>
+  </p:txStyles>
+</p:sldMaster>
+</file>
+
+<file path=ppt/slideMasters/slideMaster4.xml><?xml version="1.0" encoding="utf-8"?>
+<p:sldMaster xmlns:a="http://schemas.openxmlformats.org/drawingml/2006/main" xmlns:r="http://schemas.openxmlformats.org/officeDocument/2006/relationships" xmlns:p="http://schemas.openxmlformats.org/presentationml/2006/main" preserve="1">
+  <p:cSld>
+    <p:bg>
+      <p:bgPr>
+        <a:solidFill>
+          <a:schemeClr val="bg1"/>
+        </a:solidFill>
+        <a:effectLst/>
+      </p:bgPr>
+    </p:bg>
+    <p:spTree>
+      <p:nvGrpSpPr>
+        <p:cNvPr id="1" name=""/>
+        <p:cNvGrpSpPr/>
+        <p:nvPr/>
+      </p:nvGrpSpPr>
+      <p:grpSpPr>
+        <a:xfrm>
+          <a:off x="0" y="0"/>
+          <a:ext cx="0" cy="0"/>
+          <a:chOff x="0" y="0"/>
+          <a:chExt cx="0" cy="0"/>
+        </a:xfrm>
+      </p:grpSpPr>
+      <p:sp>
+        <p:nvSpPr>
+          <p:cNvPr id="15" name="Rectangle 14"/>
+          <p:cNvSpPr/>
+          <p:nvPr userDrawn="1"/>
+        </p:nvSpPr>
+        <p:spPr>
+          <a:xfrm>
+            <a:off x="-1588" y="0"/>
+            <a:ext cx="9144001" cy="6858000"/>
+          </a:xfrm>
+          <a:prstGeom prst="rect">
+            <a:avLst/>
+          </a:prstGeom>
+          <a:solidFill>
+            <a:srgbClr val="003B5C"/>
+          </a:solidFill>
+          <a:ln>
+            <a:noFill/>
+          </a:ln>
+          <a:effectLst/>
+        </p:spPr>
+        <p:style>
+          <a:lnRef idx="1">
+            <a:schemeClr val="accent1"/>
+          </a:lnRef>
+          <a:fillRef idx="3">
+            <a:schemeClr val="accent1"/>
+          </a:fillRef>
+          <a:effectRef idx="2">
+            <a:schemeClr val="accent1"/>
+          </a:effectRef>
+          <a:fontRef idx="minor">
+            <a:schemeClr val="lt1"/>
+          </a:fontRef>
+        </p:style>
+        <p:txBody>
+          <a:bodyPr anchor="ctr"/>
+          <a:lstStyle>
+            <a:lvl1pPr>
+              <a:defRPr>
+                <a:solidFill>
+                  <a:schemeClr val="tx1"/>
+                </a:solidFill>
+                <a:latin typeface="Arial" panose="020B0604020202020204" pitchFamily="34" charset="0"/>
+                <a:ea typeface="ヒラギノ角ゴ Pro W3"/>
+                <a:cs typeface="ヒラギノ角ゴ Pro W3"/>
+              </a:defRPr>
+            </a:lvl1pPr>
+            <a:lvl2pPr marL="742950" indent="-285750">
+              <a:defRPr>
+                <a:solidFill>
+                  <a:schemeClr val="tx1"/>
+                </a:solidFill>
+                <a:latin typeface="Arial" panose="020B0604020202020204" pitchFamily="34" charset="0"/>
+                <a:ea typeface="ヒラギノ角ゴ Pro W3"/>
+                <a:cs typeface="ヒラギノ角ゴ Pro W3"/>
+              </a:defRPr>
+            </a:lvl2pPr>
+            <a:lvl3pPr marL="1143000" indent="-228600">
+              <a:defRPr>
+                <a:solidFill>
+                  <a:schemeClr val="tx1"/>
+                </a:solidFill>
+                <a:latin typeface="Arial" panose="020B0604020202020204" pitchFamily="34" charset="0"/>
+                <a:ea typeface="ヒラギノ角ゴ Pro W3"/>
+                <a:cs typeface="ヒラギノ角ゴ Pro W3"/>
+              </a:defRPr>
+            </a:lvl3pPr>
+            <a:lvl4pPr marL="1600200" indent="-228600">
+              <a:defRPr>
+                <a:solidFill>
+                  <a:schemeClr val="tx1"/>
+                </a:solidFill>
+                <a:latin typeface="Arial" panose="020B0604020202020204" pitchFamily="34" charset="0"/>
+                <a:ea typeface="ヒラギノ角ゴ Pro W3"/>
+                <a:cs typeface="ヒラギノ角ゴ Pro W3"/>
+              </a:defRPr>
+            </a:lvl4pPr>
+            <a:lvl5pPr marL="2057400" indent="-228600">
+              <a:defRPr>
+                <a:solidFill>
+                  <a:schemeClr val="tx1"/>
+                </a:solidFill>
+                <a:latin typeface="Arial" panose="020B0604020202020204" pitchFamily="34" charset="0"/>
+                <a:ea typeface="ヒラギノ角ゴ Pro W3"/>
+                <a:cs typeface="ヒラギノ角ゴ Pro W3"/>
+              </a:defRPr>
+            </a:lvl5pPr>
+            <a:lvl6pPr marL="2514600" indent="-228600" defTabSz="457200" eaLnBrk="0" fontAlgn="base" hangingPunct="0">
+              <a:spcBef>
+                <a:spcPct val="0"/>
+              </a:spcBef>
+              <a:spcAft>
+                <a:spcPct val="0"/>
+              </a:spcAft>
+              <a:defRPr>
+                <a:solidFill>
+                  <a:schemeClr val="tx1"/>
+                </a:solidFill>
+                <a:latin typeface="Arial" panose="020B0604020202020204" pitchFamily="34" charset="0"/>
+                <a:ea typeface="ヒラギノ角ゴ Pro W3"/>
+                <a:cs typeface="ヒラギノ角ゴ Pro W3"/>
+              </a:defRPr>
+            </a:lvl6pPr>
+            <a:lvl7pPr marL="2971800" indent="-228600" defTabSz="457200" eaLnBrk="0" fontAlgn="base" hangingPunct="0">
+              <a:spcBef>
+                <a:spcPct val="0"/>
+              </a:spcBef>
+              <a:spcAft>
+                <a:spcPct val="0"/>
+              </a:spcAft>
+              <a:defRPr>
+                <a:solidFill>
+                  <a:schemeClr val="tx1"/>
+                </a:solidFill>
+                <a:latin typeface="Arial" panose="020B0604020202020204" pitchFamily="34" charset="0"/>
+                <a:ea typeface="ヒラギノ角ゴ Pro W3"/>
+                <a:cs typeface="ヒラギノ角ゴ Pro W3"/>
+              </a:defRPr>
+            </a:lvl7pPr>
+            <a:lvl8pPr marL="3429000" indent="-228600" defTabSz="457200" eaLnBrk="0" fontAlgn="base" hangingPunct="0">
+              <a:spcBef>
+                <a:spcPct val="0"/>
+              </a:spcBef>
+              <a:spcAft>
+                <a:spcPct val="0"/>
+              </a:spcAft>
+              <a:defRPr>
+                <a:solidFill>
+                  <a:schemeClr val="tx1"/>
+                </a:solidFill>
+                <a:latin typeface="Arial" panose="020B0604020202020204" pitchFamily="34" charset="0"/>
+                <a:ea typeface="ヒラギノ角ゴ Pro W3"/>
+                <a:cs typeface="ヒラギノ角ゴ Pro W3"/>
+              </a:defRPr>
+            </a:lvl8pPr>
+            <a:lvl9pPr marL="3886200" indent="-228600" defTabSz="457200" eaLnBrk="0" fontAlgn="base" hangingPunct="0">
+              <a:spcBef>
+                <a:spcPct val="0"/>
+              </a:spcBef>
+              <a:spcAft>
+                <a:spcPct val="0"/>
+              </a:spcAft>
+              <a:defRPr>
+                <a:solidFill>
+                  <a:schemeClr val="tx1"/>
+                </a:solidFill>
+                <a:latin typeface="Arial" panose="020B0604020202020204" pitchFamily="34" charset="0"/>
+                <a:ea typeface="ヒラギノ角ゴ Pro W3"/>
+                <a:cs typeface="ヒラギノ角ゴ Pro W3"/>
+              </a:defRPr>
+            </a:lvl9pPr>
+          </a:lstStyle>
+          <a:p>
+            <a:pPr marL="0" marR="0" lvl="0" indent="0" algn="ctr" defTabSz="457200" rtl="0" eaLnBrk="1" fontAlgn="auto" latinLnBrk="0" hangingPunct="1">
+              <a:lnSpc>
+                <a:spcPct val="100000"/>
+              </a:lnSpc>
+              <a:spcBef>
+                <a:spcPts val="0"/>
+              </a:spcBef>
+              <a:spcAft>
+                <a:spcPts val="0"/>
+              </a:spcAft>
+              <a:buClrTx/>
+              <a:buSzTx/>
+              <a:buFontTx/>
+              <a:buNone/>
+              <a:tabLst/>
+              <a:defRPr/>
+            </a:pPr>
+            <a:endParaRPr kumimoji="0" lang="en-US" altLang="en-US" sz="1350" b="0" i="0" u="none" strike="noStrike" kern="1200" cap="none" spc="0" normalizeH="0" baseline="0" noProof="0">
+              <a:ln>
+                <a:noFill/>
+              </a:ln>
+              <a:solidFill>
+                <a:srgbClr val="FFFFFF"/>
+              </a:solidFill>
+              <a:effectLst/>
+              <a:uLnTx/>
+              <a:uFillTx/>
+              <a:latin typeface="Calibri" panose="020F0502020204030204" pitchFamily="34" charset="0"/>
+              <a:ea typeface="ヒラギノ角ゴ Pro W3"/>
+            </a:endParaRPr>
+          </a:p>
+        </p:txBody>
+      </p:sp>
+      <p:sp>
+        <p:nvSpPr>
+          <p:cNvPr id="10" name="Flowchart: Stored Data 9"/>
+          <p:cNvSpPr/>
+          <p:nvPr userDrawn="1"/>
+        </p:nvSpPr>
+        <p:spPr>
+          <a:xfrm>
+            <a:off x="2" y="6510338"/>
+            <a:ext cx="8640763" cy="17463"/>
+          </a:xfrm>
+          <a:prstGeom prst="flowChartOnlineStorage">
+            <a:avLst/>
+          </a:prstGeom>
+          <a:solidFill>
+            <a:srgbClr val="DA291C"/>
+          </a:solidFill>
+          <a:ln>
+            <a:noFill/>
+          </a:ln>
+          <a:effectLst/>
+        </p:spPr>
+        <p:style>
+          <a:lnRef idx="1">
+            <a:schemeClr val="accent1"/>
+          </a:lnRef>
+          <a:fillRef idx="3">
+            <a:schemeClr val="accent1"/>
+          </a:fillRef>
+          <a:effectRef idx="2">
+            <a:schemeClr val="accent1"/>
+          </a:effectRef>
+          <a:fontRef idx="minor">
+            <a:schemeClr val="lt1"/>
+          </a:fontRef>
+        </p:style>
+        <p:txBody>
+          <a:bodyPr anchor="ctr"/>
+          <a:lstStyle>
+            <a:lvl1pPr>
+              <a:defRPr>
+                <a:solidFill>
+                  <a:schemeClr val="tx1"/>
+                </a:solidFill>
+                <a:latin typeface="Arial" panose="020B0604020202020204" pitchFamily="34" charset="0"/>
+                <a:ea typeface="ヒラギノ角ゴ Pro W3"/>
+                <a:cs typeface="ヒラギノ角ゴ Pro W3"/>
+              </a:defRPr>
+            </a:lvl1pPr>
+            <a:lvl2pPr marL="742950" indent="-285750">
+              <a:defRPr>
+                <a:solidFill>
+                  <a:schemeClr val="tx1"/>
+                </a:solidFill>
+                <a:latin typeface="Arial" panose="020B0604020202020204" pitchFamily="34" charset="0"/>
+                <a:ea typeface="ヒラギノ角ゴ Pro W3"/>
+                <a:cs typeface="ヒラギノ角ゴ Pro W3"/>
+              </a:defRPr>
+            </a:lvl2pPr>
+            <a:lvl3pPr marL="1143000" indent="-228600">
+              <a:defRPr>
+                <a:solidFill>
+                  <a:schemeClr val="tx1"/>
+                </a:solidFill>
+                <a:latin typeface="Arial" panose="020B0604020202020204" pitchFamily="34" charset="0"/>
+                <a:ea typeface="ヒラギノ角ゴ Pro W3"/>
+                <a:cs typeface="ヒラギノ角ゴ Pro W3"/>
+              </a:defRPr>
+            </a:lvl3pPr>
+            <a:lvl4pPr marL="1600200" indent="-228600">
+              <a:defRPr>
+                <a:solidFill>
+                  <a:schemeClr val="tx1"/>
+                </a:solidFill>
+                <a:latin typeface="Arial" panose="020B0604020202020204" pitchFamily="34" charset="0"/>
+                <a:ea typeface="ヒラギノ角ゴ Pro W3"/>
+                <a:cs typeface="ヒラギノ角ゴ Pro W3"/>
+              </a:defRPr>
+            </a:lvl4pPr>
+            <a:lvl5pPr marL="2057400" indent="-228600">
+              <a:defRPr>
+                <a:solidFill>
+                  <a:schemeClr val="tx1"/>
+                </a:solidFill>
+                <a:latin typeface="Arial" panose="020B0604020202020204" pitchFamily="34" charset="0"/>
+                <a:ea typeface="ヒラギノ角ゴ Pro W3"/>
+                <a:cs typeface="ヒラギノ角ゴ Pro W3"/>
+              </a:defRPr>
+            </a:lvl5pPr>
+            <a:lvl6pPr marL="2514600" indent="-228600" defTabSz="457200" eaLnBrk="0" fontAlgn="base" hangingPunct="0">
+              <a:spcBef>
+                <a:spcPct val="0"/>
+              </a:spcBef>
+              <a:spcAft>
+                <a:spcPct val="0"/>
+              </a:spcAft>
+              <a:defRPr>
+                <a:solidFill>
+                  <a:schemeClr val="tx1"/>
+                </a:solidFill>
+                <a:latin typeface="Arial" panose="020B0604020202020204" pitchFamily="34" charset="0"/>
+                <a:ea typeface="ヒラギノ角ゴ Pro W3"/>
+                <a:cs typeface="ヒラギノ角ゴ Pro W3"/>
+              </a:defRPr>
+            </a:lvl6pPr>
+            <a:lvl7pPr marL="2971800" indent="-228600" defTabSz="457200" eaLnBrk="0" fontAlgn="base" hangingPunct="0">
+              <a:spcBef>
+                <a:spcPct val="0"/>
+              </a:spcBef>
+              <a:spcAft>
+                <a:spcPct val="0"/>
+              </a:spcAft>
+              <a:defRPr>
+                <a:solidFill>
+                  <a:schemeClr val="tx1"/>
+                </a:solidFill>
+                <a:latin typeface="Arial" panose="020B0604020202020204" pitchFamily="34" charset="0"/>
+                <a:ea typeface="ヒラギノ角ゴ Pro W3"/>
+                <a:cs typeface="ヒラギノ角ゴ Pro W3"/>
+              </a:defRPr>
+            </a:lvl7pPr>
+            <a:lvl8pPr marL="3429000" indent="-228600" defTabSz="457200" eaLnBrk="0" fontAlgn="base" hangingPunct="0">
+              <a:spcBef>
+                <a:spcPct val="0"/>
+              </a:spcBef>
+              <a:spcAft>
+                <a:spcPct val="0"/>
+              </a:spcAft>
+              <a:defRPr>
+                <a:solidFill>
+                  <a:schemeClr val="tx1"/>
+                </a:solidFill>
+                <a:latin typeface="Arial" panose="020B0604020202020204" pitchFamily="34" charset="0"/>
+                <a:ea typeface="ヒラギノ角ゴ Pro W3"/>
+                <a:cs typeface="ヒラギノ角ゴ Pro W3"/>
+              </a:defRPr>
+            </a:lvl8pPr>
+            <a:lvl9pPr marL="3886200" indent="-228600" defTabSz="457200" eaLnBrk="0" fontAlgn="base" hangingPunct="0">
+              <a:spcBef>
+                <a:spcPct val="0"/>
+              </a:spcBef>
+              <a:spcAft>
+                <a:spcPct val="0"/>
+              </a:spcAft>
+              <a:defRPr>
+                <a:solidFill>
+                  <a:schemeClr val="tx1"/>
+                </a:solidFill>
+                <a:latin typeface="Arial" panose="020B0604020202020204" pitchFamily="34" charset="0"/>
+                <a:ea typeface="ヒラギノ角ゴ Pro W3"/>
+                <a:cs typeface="ヒラギノ角ゴ Pro W3"/>
+              </a:defRPr>
+            </a:lvl9pPr>
+          </a:lstStyle>
+          <a:p>
+            <a:pPr marL="0" marR="0" lvl="0" indent="0" algn="ctr" defTabSz="457200" rtl="0" eaLnBrk="1" fontAlgn="auto" latinLnBrk="0" hangingPunct="1">
+              <a:lnSpc>
+                <a:spcPct val="100000"/>
+              </a:lnSpc>
+              <a:spcBef>
+                <a:spcPts val="0"/>
+              </a:spcBef>
+              <a:spcAft>
+                <a:spcPts val="0"/>
+              </a:spcAft>
+              <a:buClrTx/>
+              <a:buSzTx/>
+              <a:buFontTx/>
+              <a:buNone/>
+              <a:tabLst/>
+              <a:defRPr/>
+            </a:pPr>
+            <a:endParaRPr kumimoji="0" lang="en-SG" altLang="en-US" sz="1350" b="0" i="0" u="none" strike="noStrike" kern="1200" cap="none" spc="0" normalizeH="0" baseline="0" noProof="0">
+              <a:ln>
+                <a:noFill/>
+              </a:ln>
+              <a:solidFill>
+                <a:srgbClr val="FFFFFF"/>
+              </a:solidFill>
+              <a:effectLst/>
+              <a:uLnTx/>
+              <a:uFillTx/>
+              <a:latin typeface="Calibri" panose="020F0502020204030204" pitchFamily="34" charset="0"/>
+              <a:ea typeface="ヒラギノ角ゴ Pro W3"/>
+            </a:endParaRPr>
+          </a:p>
+        </p:txBody>
+      </p:sp>
+      <p:sp>
+        <p:nvSpPr>
+          <p:cNvPr id="11" name="Flowchart: Stored Data 10"/>
+          <p:cNvSpPr/>
+          <p:nvPr userDrawn="1"/>
+        </p:nvSpPr>
+        <p:spPr>
+          <a:xfrm>
+            <a:off x="0" y="6562726"/>
+            <a:ext cx="8712200" cy="36513"/>
+          </a:xfrm>
+          <a:prstGeom prst="flowChartOnlineStorage">
+            <a:avLst/>
+          </a:prstGeom>
+          <a:solidFill>
+            <a:srgbClr val="DA291C"/>
+          </a:solidFill>
+          <a:ln>
+            <a:noFill/>
+          </a:ln>
+          <a:effectLst/>
+        </p:spPr>
+        <p:style>
+          <a:lnRef idx="1">
+            <a:schemeClr val="accent1"/>
+          </a:lnRef>
+          <a:fillRef idx="3">
+            <a:schemeClr val="accent1"/>
+          </a:fillRef>
+          <a:effectRef idx="2">
+            <a:schemeClr val="accent1"/>
+          </a:effectRef>
+          <a:fontRef idx="minor">
+            <a:schemeClr val="lt1"/>
+          </a:fontRef>
+        </p:style>
+        <p:txBody>
+          <a:bodyPr anchor="ctr"/>
+          <a:lstStyle>
+            <a:lvl1pPr>
+              <a:defRPr>
+                <a:solidFill>
+                  <a:schemeClr val="tx1"/>
+                </a:solidFill>
+                <a:latin typeface="Arial" panose="020B0604020202020204" pitchFamily="34" charset="0"/>
+                <a:ea typeface="ヒラギノ角ゴ Pro W3"/>
+                <a:cs typeface="ヒラギノ角ゴ Pro W3"/>
+              </a:defRPr>
+            </a:lvl1pPr>
+            <a:lvl2pPr marL="742950" indent="-285750">
+              <a:defRPr>
+                <a:solidFill>
+                  <a:schemeClr val="tx1"/>
+                </a:solidFill>
+                <a:latin typeface="Arial" panose="020B0604020202020204" pitchFamily="34" charset="0"/>
+                <a:ea typeface="ヒラギノ角ゴ Pro W3"/>
+                <a:cs typeface="ヒラギノ角ゴ Pro W3"/>
+              </a:defRPr>
+            </a:lvl2pPr>
+            <a:lvl3pPr marL="1143000" indent="-228600">
+              <a:defRPr>
+                <a:solidFill>
+                  <a:schemeClr val="tx1"/>
+                </a:solidFill>
+                <a:latin typeface="Arial" panose="020B0604020202020204" pitchFamily="34" charset="0"/>
+                <a:ea typeface="ヒラギノ角ゴ Pro W3"/>
+                <a:cs typeface="ヒラギノ角ゴ Pro W3"/>
+              </a:defRPr>
+            </a:lvl3pPr>
+            <a:lvl4pPr marL="1600200" indent="-228600">
+              <a:defRPr>
+                <a:solidFill>
+                  <a:schemeClr val="tx1"/>
+                </a:solidFill>
+                <a:latin typeface="Arial" panose="020B0604020202020204" pitchFamily="34" charset="0"/>
+                <a:ea typeface="ヒラギノ角ゴ Pro W3"/>
+                <a:cs typeface="ヒラギノ角ゴ Pro W3"/>
+              </a:defRPr>
+            </a:lvl4pPr>
+            <a:lvl5pPr marL="2057400" indent="-228600">
+              <a:defRPr>
+                <a:solidFill>
+                  <a:schemeClr val="tx1"/>
+                </a:solidFill>
+                <a:latin typeface="Arial" panose="020B0604020202020204" pitchFamily="34" charset="0"/>
+                <a:ea typeface="ヒラギノ角ゴ Pro W3"/>
+                <a:cs typeface="ヒラギノ角ゴ Pro W3"/>
+              </a:defRPr>
+            </a:lvl5pPr>
+            <a:lvl6pPr marL="2514600" indent="-228600" defTabSz="457200" eaLnBrk="0" fontAlgn="base" hangingPunct="0">
+              <a:spcBef>
+                <a:spcPct val="0"/>
+              </a:spcBef>
+              <a:spcAft>
+                <a:spcPct val="0"/>
+              </a:spcAft>
+              <a:defRPr>
+                <a:solidFill>
+                  <a:schemeClr val="tx1"/>
+                </a:solidFill>
+                <a:latin typeface="Arial" panose="020B0604020202020204" pitchFamily="34" charset="0"/>
+                <a:ea typeface="ヒラギノ角ゴ Pro W3"/>
+                <a:cs typeface="ヒラギノ角ゴ Pro W3"/>
+              </a:defRPr>
+            </a:lvl6pPr>
+            <a:lvl7pPr marL="2971800" indent="-228600" defTabSz="457200" eaLnBrk="0" fontAlgn="base" hangingPunct="0">
+              <a:spcBef>
+                <a:spcPct val="0"/>
+              </a:spcBef>
+              <a:spcAft>
+                <a:spcPct val="0"/>
+              </a:spcAft>
+              <a:defRPr>
+                <a:solidFill>
+                  <a:schemeClr val="tx1"/>
+                </a:solidFill>
+                <a:latin typeface="Arial" panose="020B0604020202020204" pitchFamily="34" charset="0"/>
+                <a:ea typeface="ヒラギノ角ゴ Pro W3"/>
+                <a:cs typeface="ヒラギノ角ゴ Pro W3"/>
+              </a:defRPr>
+            </a:lvl7pPr>
+            <a:lvl8pPr marL="3429000" indent="-228600" defTabSz="457200" eaLnBrk="0" fontAlgn="base" hangingPunct="0">
+              <a:spcBef>
+                <a:spcPct val="0"/>
+              </a:spcBef>
+              <a:spcAft>
+                <a:spcPct val="0"/>
+              </a:spcAft>
+              <a:defRPr>
+                <a:solidFill>
+                  <a:schemeClr val="tx1"/>
+                </a:solidFill>
+                <a:latin typeface="Arial" panose="020B0604020202020204" pitchFamily="34" charset="0"/>
+                <a:ea typeface="ヒラギノ角ゴ Pro W3"/>
+                <a:cs typeface="ヒラギノ角ゴ Pro W3"/>
+              </a:defRPr>
+            </a:lvl8pPr>
+            <a:lvl9pPr marL="3886200" indent="-228600" defTabSz="457200" eaLnBrk="0" fontAlgn="base" hangingPunct="0">
+              <a:spcBef>
+                <a:spcPct val="0"/>
+              </a:spcBef>
+              <a:spcAft>
+                <a:spcPct val="0"/>
+              </a:spcAft>
+              <a:defRPr>
+                <a:solidFill>
+                  <a:schemeClr val="tx1"/>
+                </a:solidFill>
+                <a:latin typeface="Arial" panose="020B0604020202020204" pitchFamily="34" charset="0"/>
+                <a:ea typeface="ヒラギノ角ゴ Pro W3"/>
+                <a:cs typeface="ヒラギノ角ゴ Pro W3"/>
+              </a:defRPr>
+            </a:lvl9pPr>
+          </a:lstStyle>
+          <a:p>
+            <a:pPr marL="0" marR="0" lvl="0" indent="0" algn="ctr" defTabSz="457200" rtl="0" eaLnBrk="1" fontAlgn="auto" latinLnBrk="0" hangingPunct="1">
+              <a:lnSpc>
+                <a:spcPct val="100000"/>
+              </a:lnSpc>
+              <a:spcBef>
+                <a:spcPts val="0"/>
+              </a:spcBef>
+              <a:spcAft>
+                <a:spcPts val="0"/>
+              </a:spcAft>
+              <a:buClrTx/>
+              <a:buSzTx/>
+              <a:buFontTx/>
+              <a:buNone/>
+              <a:tabLst/>
+              <a:defRPr/>
+            </a:pPr>
+            <a:endParaRPr kumimoji="0" lang="en-SG" altLang="en-US" sz="1350" b="0" i="0" u="none" strike="noStrike" kern="1200" cap="none" spc="0" normalizeH="0" baseline="0" noProof="0">
+              <a:ln>
+                <a:noFill/>
+              </a:ln>
+              <a:solidFill>
+                <a:srgbClr val="FFFFFF"/>
+              </a:solidFill>
+              <a:effectLst/>
+              <a:uLnTx/>
+              <a:uFillTx/>
+              <a:latin typeface="Calibri" panose="020F0502020204030204" pitchFamily="34" charset="0"/>
+              <a:ea typeface="ヒラギノ角ゴ Pro W3"/>
+            </a:endParaRPr>
+          </a:p>
+        </p:txBody>
+      </p:sp>
+      <p:sp>
+        <p:nvSpPr>
+          <p:cNvPr id="12" name="Flowchart: Stored Data 11"/>
+          <p:cNvSpPr/>
+          <p:nvPr userDrawn="1"/>
+        </p:nvSpPr>
+        <p:spPr>
+          <a:xfrm>
+            <a:off x="-1588" y="6637339"/>
+            <a:ext cx="8815388" cy="53975"/>
+          </a:xfrm>
+          <a:prstGeom prst="flowChartOnlineStorage">
+            <a:avLst/>
+          </a:prstGeom>
+          <a:solidFill>
+            <a:srgbClr val="DA291C"/>
+          </a:solidFill>
+          <a:ln>
+            <a:noFill/>
+          </a:ln>
+          <a:effectLst/>
+        </p:spPr>
+        <p:style>
+          <a:lnRef idx="1">
+            <a:schemeClr val="accent1"/>
+          </a:lnRef>
+          <a:fillRef idx="3">
+            <a:schemeClr val="accent1"/>
+          </a:fillRef>
+          <a:effectRef idx="2">
+            <a:schemeClr val="accent1"/>
+          </a:effectRef>
+          <a:fontRef idx="minor">
+            <a:schemeClr val="lt1"/>
+          </a:fontRef>
+        </p:style>
+        <p:txBody>
+          <a:bodyPr anchor="ctr"/>
+          <a:lstStyle>
+            <a:lvl1pPr>
+              <a:defRPr>
+                <a:solidFill>
+                  <a:schemeClr val="tx1"/>
+                </a:solidFill>
+                <a:latin typeface="Arial" panose="020B0604020202020204" pitchFamily="34" charset="0"/>
+                <a:ea typeface="ヒラギノ角ゴ Pro W3"/>
+                <a:cs typeface="ヒラギノ角ゴ Pro W3"/>
+              </a:defRPr>
+            </a:lvl1pPr>
+            <a:lvl2pPr marL="742950" indent="-285750">
+              <a:defRPr>
+                <a:solidFill>
+                  <a:schemeClr val="tx1"/>
+                </a:solidFill>
+                <a:latin typeface="Arial" panose="020B0604020202020204" pitchFamily="34" charset="0"/>
+                <a:ea typeface="ヒラギノ角ゴ Pro W3"/>
+                <a:cs typeface="ヒラギノ角ゴ Pro W3"/>
+              </a:defRPr>
+            </a:lvl2pPr>
+            <a:lvl3pPr marL="1143000" indent="-228600">
+              <a:defRPr>
+                <a:solidFill>
+                  <a:schemeClr val="tx1"/>
+                </a:solidFill>
+                <a:latin typeface="Arial" panose="020B0604020202020204" pitchFamily="34" charset="0"/>
+                <a:ea typeface="ヒラギノ角ゴ Pro W3"/>
+                <a:cs typeface="ヒラギノ角ゴ Pro W3"/>
+              </a:defRPr>
+            </a:lvl3pPr>
+            <a:lvl4pPr marL="1600200" indent="-228600">
+              <a:defRPr>
+                <a:solidFill>
+                  <a:schemeClr val="tx1"/>
+                </a:solidFill>
+                <a:latin typeface="Arial" panose="020B0604020202020204" pitchFamily="34" charset="0"/>
+                <a:ea typeface="ヒラギノ角ゴ Pro W3"/>
+                <a:cs typeface="ヒラギノ角ゴ Pro W3"/>
+              </a:defRPr>
+            </a:lvl4pPr>
+            <a:lvl5pPr marL="2057400" indent="-228600">
+              <a:defRPr>
+                <a:solidFill>
+                  <a:schemeClr val="tx1"/>
+                </a:solidFill>
+                <a:latin typeface="Arial" panose="020B0604020202020204" pitchFamily="34" charset="0"/>
+                <a:ea typeface="ヒラギノ角ゴ Pro W3"/>
+                <a:cs typeface="ヒラギノ角ゴ Pro W3"/>
+              </a:defRPr>
+            </a:lvl5pPr>
+            <a:lvl6pPr marL="2514600" indent="-228600" defTabSz="457200" eaLnBrk="0" fontAlgn="base" hangingPunct="0">
+              <a:spcBef>
+                <a:spcPct val="0"/>
+              </a:spcBef>
+              <a:spcAft>
+                <a:spcPct val="0"/>
+              </a:spcAft>
+              <a:defRPr>
+                <a:solidFill>
+                  <a:schemeClr val="tx1"/>
+                </a:solidFill>
+                <a:latin typeface="Arial" panose="020B0604020202020204" pitchFamily="34" charset="0"/>
+                <a:ea typeface="ヒラギノ角ゴ Pro W3"/>
+                <a:cs typeface="ヒラギノ角ゴ Pro W3"/>
+              </a:defRPr>
+            </a:lvl6pPr>
+            <a:lvl7pPr marL="2971800" indent="-228600" defTabSz="457200" eaLnBrk="0" fontAlgn="base" hangingPunct="0">
+              <a:spcBef>
+                <a:spcPct val="0"/>
+              </a:spcBef>
+              <a:spcAft>
+                <a:spcPct val="0"/>
+              </a:spcAft>
+              <a:defRPr>
+                <a:solidFill>
+                  <a:schemeClr val="tx1"/>
+                </a:solidFill>
+                <a:latin typeface="Arial" panose="020B0604020202020204" pitchFamily="34" charset="0"/>
+                <a:ea typeface="ヒラギノ角ゴ Pro W3"/>
+                <a:cs typeface="ヒラギノ角ゴ Pro W3"/>
+              </a:defRPr>
+            </a:lvl7pPr>
+            <a:lvl8pPr marL="3429000" indent="-228600" defTabSz="457200" eaLnBrk="0" fontAlgn="base" hangingPunct="0">
+              <a:spcBef>
+                <a:spcPct val="0"/>
+              </a:spcBef>
+              <a:spcAft>
+                <a:spcPct val="0"/>
+              </a:spcAft>
+              <a:defRPr>
+                <a:solidFill>
+                  <a:schemeClr val="tx1"/>
+                </a:solidFill>
+                <a:latin typeface="Arial" panose="020B0604020202020204" pitchFamily="34" charset="0"/>
+                <a:ea typeface="ヒラギノ角ゴ Pro W3"/>
+                <a:cs typeface="ヒラギノ角ゴ Pro W3"/>
+              </a:defRPr>
+            </a:lvl8pPr>
+            <a:lvl9pPr marL="3886200" indent="-228600" defTabSz="457200" eaLnBrk="0" fontAlgn="base" hangingPunct="0">
+              <a:spcBef>
+                <a:spcPct val="0"/>
+              </a:spcBef>
+              <a:spcAft>
+                <a:spcPct val="0"/>
+              </a:spcAft>
+              <a:defRPr>
+                <a:solidFill>
+                  <a:schemeClr val="tx1"/>
+                </a:solidFill>
+                <a:latin typeface="Arial" panose="020B0604020202020204" pitchFamily="34" charset="0"/>
+                <a:ea typeface="ヒラギノ角ゴ Pro W3"/>
+                <a:cs typeface="ヒラギノ角ゴ Pro W3"/>
+              </a:defRPr>
+            </a:lvl9pPr>
+          </a:lstStyle>
+          <a:p>
+            <a:pPr marL="0" marR="0" lvl="0" indent="0" algn="ctr" defTabSz="457200" rtl="0" eaLnBrk="1" fontAlgn="auto" latinLnBrk="0" hangingPunct="1">
+              <a:lnSpc>
+                <a:spcPct val="100000"/>
+              </a:lnSpc>
+              <a:spcBef>
+                <a:spcPts val="0"/>
+              </a:spcBef>
+              <a:spcAft>
+                <a:spcPts val="0"/>
+              </a:spcAft>
+              <a:buClrTx/>
+              <a:buSzTx/>
+              <a:buFontTx/>
+              <a:buNone/>
+              <a:tabLst/>
+              <a:defRPr/>
+            </a:pPr>
+            <a:endParaRPr kumimoji="0" lang="en-SG" altLang="en-US" sz="1350" b="0" i="0" u="none" strike="noStrike" kern="1200" cap="none" spc="0" normalizeH="0" baseline="0" noProof="0">
+              <a:ln>
+                <a:noFill/>
+              </a:ln>
+              <a:solidFill>
+                <a:srgbClr val="FFFFFF"/>
+              </a:solidFill>
+              <a:effectLst/>
+              <a:uLnTx/>
+              <a:uFillTx/>
+              <a:latin typeface="Calibri" panose="020F0502020204030204" pitchFamily="34" charset="0"/>
+              <a:ea typeface="ヒラギノ角ゴ Pro W3"/>
+            </a:endParaRPr>
+          </a:p>
+        </p:txBody>
+      </p:sp>
+      <p:sp>
+        <p:nvSpPr>
+          <p:cNvPr id="13" name="Flowchart: Stored Data 12"/>
+          <p:cNvSpPr/>
+          <p:nvPr userDrawn="1"/>
+        </p:nvSpPr>
+        <p:spPr>
+          <a:xfrm rot="16200000">
+            <a:off x="6225382" y="4101307"/>
+            <a:ext cx="4824413" cy="19050"/>
+          </a:xfrm>
+          <a:prstGeom prst="flowChartOnlineStorage">
+            <a:avLst/>
+          </a:prstGeom>
+          <a:solidFill>
+            <a:srgbClr val="DA291C"/>
+          </a:solidFill>
+          <a:ln>
+            <a:noFill/>
+          </a:ln>
+          <a:effectLst/>
+        </p:spPr>
+        <p:style>
+          <a:lnRef idx="1">
+            <a:schemeClr val="accent1"/>
+          </a:lnRef>
+          <a:fillRef idx="3">
+            <a:schemeClr val="accent1"/>
+          </a:fillRef>
+          <a:effectRef idx="2">
+            <a:schemeClr val="accent1"/>
+          </a:effectRef>
+          <a:fontRef idx="minor">
+            <a:schemeClr val="lt1"/>
+          </a:fontRef>
+        </p:style>
+        <p:txBody>
+          <a:bodyPr anchor="ctr"/>
+          <a:lstStyle>
+            <a:lvl1pPr>
+              <a:defRPr>
+                <a:solidFill>
+                  <a:schemeClr val="tx1"/>
+                </a:solidFill>
+                <a:latin typeface="Arial" panose="020B0604020202020204" pitchFamily="34" charset="0"/>
+                <a:ea typeface="ヒラギノ角ゴ Pro W3"/>
+                <a:cs typeface="ヒラギノ角ゴ Pro W3"/>
+              </a:defRPr>
+            </a:lvl1pPr>
+            <a:lvl2pPr marL="742950" indent="-285750">
+              <a:defRPr>
+                <a:solidFill>
+                  <a:schemeClr val="tx1"/>
+                </a:solidFill>
+                <a:latin typeface="Arial" panose="020B0604020202020204" pitchFamily="34" charset="0"/>
+                <a:ea typeface="ヒラギノ角ゴ Pro W3"/>
+                <a:cs typeface="ヒラギノ角ゴ Pro W3"/>
+              </a:defRPr>
+            </a:lvl2pPr>
+            <a:lvl3pPr marL="1143000" indent="-228600">
+              <a:defRPr>
+                <a:solidFill>
+                  <a:schemeClr val="tx1"/>
+                </a:solidFill>
+                <a:latin typeface="Arial" panose="020B0604020202020204" pitchFamily="34" charset="0"/>
+                <a:ea typeface="ヒラギノ角ゴ Pro W3"/>
+                <a:cs typeface="ヒラギノ角ゴ Pro W3"/>
+              </a:defRPr>
+            </a:lvl3pPr>
+            <a:lvl4pPr marL="1600200" indent="-228600">
+              <a:defRPr>
+                <a:solidFill>
+                  <a:schemeClr val="tx1"/>
+                </a:solidFill>
+                <a:latin typeface="Arial" panose="020B0604020202020204" pitchFamily="34" charset="0"/>
+                <a:ea typeface="ヒラギノ角ゴ Pro W3"/>
+                <a:cs typeface="ヒラギノ角ゴ Pro W3"/>
+              </a:defRPr>
+            </a:lvl4pPr>
+            <a:lvl5pPr marL="2057400" indent="-228600">
+              <a:defRPr>
+                <a:solidFill>
+                  <a:schemeClr val="tx1"/>
+                </a:solidFill>
+                <a:latin typeface="Arial" panose="020B0604020202020204" pitchFamily="34" charset="0"/>
+                <a:ea typeface="ヒラギノ角ゴ Pro W3"/>
+                <a:cs typeface="ヒラギノ角ゴ Pro W3"/>
+              </a:defRPr>
+            </a:lvl5pPr>
+            <a:lvl6pPr marL="2514600" indent="-228600" defTabSz="457200" eaLnBrk="0" fontAlgn="base" hangingPunct="0">
+              <a:spcBef>
+                <a:spcPct val="0"/>
+              </a:spcBef>
+              <a:spcAft>
+                <a:spcPct val="0"/>
+              </a:spcAft>
+              <a:defRPr>
+                <a:solidFill>
+                  <a:schemeClr val="tx1"/>
+                </a:solidFill>
+                <a:latin typeface="Arial" panose="020B0604020202020204" pitchFamily="34" charset="0"/>
+                <a:ea typeface="ヒラギノ角ゴ Pro W3"/>
+                <a:cs typeface="ヒラギノ角ゴ Pro W3"/>
+              </a:defRPr>
+            </a:lvl6pPr>
+            <a:lvl7pPr marL="2971800" indent="-228600" defTabSz="457200" eaLnBrk="0" fontAlgn="base" hangingPunct="0">
+              <a:spcBef>
+                <a:spcPct val="0"/>
+              </a:spcBef>
+              <a:spcAft>
+                <a:spcPct val="0"/>
+              </a:spcAft>
+              <a:defRPr>
+                <a:solidFill>
+                  <a:schemeClr val="tx1"/>
+                </a:solidFill>
+                <a:latin typeface="Arial" panose="020B0604020202020204" pitchFamily="34" charset="0"/>
+                <a:ea typeface="ヒラギノ角ゴ Pro W3"/>
+                <a:cs typeface="ヒラギノ角ゴ Pro W3"/>
+              </a:defRPr>
+            </a:lvl7pPr>
+            <a:lvl8pPr marL="3429000" indent="-228600" defTabSz="457200" eaLnBrk="0" fontAlgn="base" hangingPunct="0">
+              <a:spcBef>
+                <a:spcPct val="0"/>
+              </a:spcBef>
+              <a:spcAft>
+                <a:spcPct val="0"/>
+              </a:spcAft>
+              <a:defRPr>
+                <a:solidFill>
+                  <a:schemeClr val="tx1"/>
+                </a:solidFill>
+                <a:latin typeface="Arial" panose="020B0604020202020204" pitchFamily="34" charset="0"/>
+                <a:ea typeface="ヒラギノ角ゴ Pro W3"/>
+                <a:cs typeface="ヒラギノ角ゴ Pro W3"/>
+              </a:defRPr>
+            </a:lvl8pPr>
+            <a:lvl9pPr marL="3886200" indent="-228600" defTabSz="457200" eaLnBrk="0" fontAlgn="base" hangingPunct="0">
+              <a:spcBef>
+                <a:spcPct val="0"/>
+              </a:spcBef>
+              <a:spcAft>
+                <a:spcPct val="0"/>
+              </a:spcAft>
+              <a:defRPr>
+                <a:solidFill>
+                  <a:schemeClr val="tx1"/>
+                </a:solidFill>
+                <a:latin typeface="Arial" panose="020B0604020202020204" pitchFamily="34" charset="0"/>
+                <a:ea typeface="ヒラギノ角ゴ Pro W3"/>
+                <a:cs typeface="ヒラギノ角ゴ Pro W3"/>
+              </a:defRPr>
+            </a:lvl9pPr>
+          </a:lstStyle>
+          <a:p>
+            <a:pPr marL="0" marR="0" lvl="0" indent="0" algn="ctr" defTabSz="457200" rtl="0" eaLnBrk="1" fontAlgn="auto" latinLnBrk="0" hangingPunct="1">
+              <a:lnSpc>
+                <a:spcPct val="100000"/>
+              </a:lnSpc>
+              <a:spcBef>
+                <a:spcPts val="0"/>
+              </a:spcBef>
+              <a:spcAft>
+                <a:spcPts val="0"/>
+              </a:spcAft>
+              <a:buClrTx/>
+              <a:buSzTx/>
+              <a:buFontTx/>
+              <a:buNone/>
+              <a:tabLst/>
+              <a:defRPr/>
+            </a:pPr>
+            <a:endParaRPr kumimoji="0" lang="en-SG" altLang="en-US" sz="1350" b="0" i="0" u="none" strike="noStrike" kern="1200" cap="none" spc="0" normalizeH="0" baseline="0" noProof="0">
+              <a:ln>
+                <a:noFill/>
+              </a:ln>
+              <a:solidFill>
+                <a:srgbClr val="FFFFFF"/>
+              </a:solidFill>
+              <a:effectLst/>
+              <a:uLnTx/>
+              <a:uFillTx/>
+              <a:latin typeface="Calibri" panose="020F0502020204030204" pitchFamily="34" charset="0"/>
+              <a:ea typeface="ヒラギノ角ゴ Pro W3"/>
+            </a:endParaRPr>
+          </a:p>
+        </p:txBody>
+      </p:sp>
+      <p:sp>
+        <p:nvSpPr>
+          <p:cNvPr id="14" name="Flowchart: Stored Data 13"/>
+          <p:cNvSpPr/>
+          <p:nvPr userDrawn="1"/>
+        </p:nvSpPr>
+        <p:spPr>
+          <a:xfrm rot="16200000">
+            <a:off x="6163470" y="4040983"/>
+            <a:ext cx="5075239" cy="34925"/>
+          </a:xfrm>
+          <a:prstGeom prst="flowChartOnlineStorage">
+            <a:avLst/>
+          </a:prstGeom>
+          <a:solidFill>
+            <a:srgbClr val="DA291C"/>
+          </a:solidFill>
+          <a:ln>
+            <a:noFill/>
+          </a:ln>
+          <a:effectLst/>
+        </p:spPr>
+        <p:style>
+          <a:lnRef idx="1">
+            <a:schemeClr val="accent1"/>
+          </a:lnRef>
+          <a:fillRef idx="3">
+            <a:schemeClr val="accent1"/>
+          </a:fillRef>
+          <a:effectRef idx="2">
+            <a:schemeClr val="accent1"/>
+          </a:effectRef>
+          <a:fontRef idx="minor">
+            <a:schemeClr val="lt1"/>
+          </a:fontRef>
+        </p:style>
+        <p:txBody>
+          <a:bodyPr anchor="ctr"/>
+          <a:lstStyle>
+            <a:lvl1pPr>
+              <a:defRPr>
+                <a:solidFill>
+                  <a:schemeClr val="tx1"/>
+                </a:solidFill>
+                <a:latin typeface="Arial" panose="020B0604020202020204" pitchFamily="34" charset="0"/>
+                <a:ea typeface="ヒラギノ角ゴ Pro W3"/>
+                <a:cs typeface="ヒラギノ角ゴ Pro W3"/>
+              </a:defRPr>
+            </a:lvl1pPr>
+            <a:lvl2pPr marL="742950" indent="-285750">
+              <a:defRPr>
+                <a:solidFill>
+                  <a:schemeClr val="tx1"/>
+                </a:solidFill>
+                <a:latin typeface="Arial" panose="020B0604020202020204" pitchFamily="34" charset="0"/>
+                <a:ea typeface="ヒラギノ角ゴ Pro W3"/>
+                <a:cs typeface="ヒラギノ角ゴ Pro W3"/>
+              </a:defRPr>
+            </a:lvl2pPr>
+            <a:lvl3pPr marL="1143000" indent="-228600">
+              <a:defRPr>
+                <a:solidFill>
+                  <a:schemeClr val="tx1"/>
+                </a:solidFill>
+                <a:latin typeface="Arial" panose="020B0604020202020204" pitchFamily="34" charset="0"/>
+                <a:ea typeface="ヒラギノ角ゴ Pro W3"/>
+                <a:cs typeface="ヒラギノ角ゴ Pro W3"/>
+              </a:defRPr>
+            </a:lvl3pPr>
+            <a:lvl4pPr marL="1600200" indent="-228600">
+              <a:defRPr>
+                <a:solidFill>
+                  <a:schemeClr val="tx1"/>
+                </a:solidFill>
+                <a:latin typeface="Arial" panose="020B0604020202020204" pitchFamily="34" charset="0"/>
+                <a:ea typeface="ヒラギノ角ゴ Pro W3"/>
+                <a:cs typeface="ヒラギノ角ゴ Pro W3"/>
+              </a:defRPr>
+            </a:lvl4pPr>
+            <a:lvl5pPr marL="2057400" indent="-228600">
+              <a:defRPr>
+                <a:solidFill>
+                  <a:schemeClr val="tx1"/>
+                </a:solidFill>
+                <a:latin typeface="Arial" panose="020B0604020202020204" pitchFamily="34" charset="0"/>
+                <a:ea typeface="ヒラギノ角ゴ Pro W3"/>
+                <a:cs typeface="ヒラギノ角ゴ Pro W3"/>
+              </a:defRPr>
+            </a:lvl5pPr>
+            <a:lvl6pPr marL="2514600" indent="-228600" defTabSz="457200" eaLnBrk="0" fontAlgn="base" hangingPunct="0">
+              <a:spcBef>
+                <a:spcPct val="0"/>
+              </a:spcBef>
+              <a:spcAft>
+                <a:spcPct val="0"/>
+              </a:spcAft>
+              <a:defRPr>
+                <a:solidFill>
+                  <a:schemeClr val="tx1"/>
+                </a:solidFill>
+                <a:latin typeface="Arial" panose="020B0604020202020204" pitchFamily="34" charset="0"/>
+                <a:ea typeface="ヒラギノ角ゴ Pro W3"/>
+                <a:cs typeface="ヒラギノ角ゴ Pro W3"/>
+              </a:defRPr>
+            </a:lvl6pPr>
+            <a:lvl7pPr marL="2971800" indent="-228600" defTabSz="457200" eaLnBrk="0" fontAlgn="base" hangingPunct="0">
+              <a:spcBef>
+                <a:spcPct val="0"/>
+              </a:spcBef>
+              <a:spcAft>
+                <a:spcPct val="0"/>
+              </a:spcAft>
+              <a:defRPr>
+                <a:solidFill>
+                  <a:schemeClr val="tx1"/>
+                </a:solidFill>
+                <a:latin typeface="Arial" panose="020B0604020202020204" pitchFamily="34" charset="0"/>
+                <a:ea typeface="ヒラギノ角ゴ Pro W3"/>
+                <a:cs typeface="ヒラギノ角ゴ Pro W3"/>
+              </a:defRPr>
+            </a:lvl7pPr>
+            <a:lvl8pPr marL="3429000" indent="-228600" defTabSz="457200" eaLnBrk="0" fontAlgn="base" hangingPunct="0">
+              <a:spcBef>
+                <a:spcPct val="0"/>
+              </a:spcBef>
+              <a:spcAft>
+                <a:spcPct val="0"/>
+              </a:spcAft>
+              <a:defRPr>
+                <a:solidFill>
+                  <a:schemeClr val="tx1"/>
+                </a:solidFill>
+                <a:latin typeface="Arial" panose="020B0604020202020204" pitchFamily="34" charset="0"/>
+                <a:ea typeface="ヒラギノ角ゴ Pro W3"/>
+                <a:cs typeface="ヒラギノ角ゴ Pro W3"/>
+              </a:defRPr>
+            </a:lvl8pPr>
+            <a:lvl9pPr marL="3886200" indent="-228600" defTabSz="457200" eaLnBrk="0" fontAlgn="base" hangingPunct="0">
+              <a:spcBef>
+                <a:spcPct val="0"/>
+              </a:spcBef>
+              <a:spcAft>
+                <a:spcPct val="0"/>
+              </a:spcAft>
+              <a:defRPr>
+                <a:solidFill>
+                  <a:schemeClr val="tx1"/>
+                </a:solidFill>
+                <a:latin typeface="Arial" panose="020B0604020202020204" pitchFamily="34" charset="0"/>
+                <a:ea typeface="ヒラギノ角ゴ Pro W3"/>
+                <a:cs typeface="ヒラギノ角ゴ Pro W3"/>
+              </a:defRPr>
+            </a:lvl9pPr>
+          </a:lstStyle>
+          <a:p>
+            <a:pPr marL="0" marR="0" lvl="0" indent="0" algn="ctr" defTabSz="457200" rtl="0" eaLnBrk="1" fontAlgn="auto" latinLnBrk="0" hangingPunct="1">
+              <a:lnSpc>
+                <a:spcPct val="100000"/>
+              </a:lnSpc>
+              <a:spcBef>
+                <a:spcPts val="0"/>
+              </a:spcBef>
+              <a:spcAft>
+                <a:spcPts val="0"/>
+              </a:spcAft>
+              <a:buClrTx/>
+              <a:buSzTx/>
+              <a:buFontTx/>
+              <a:buNone/>
+              <a:tabLst/>
+              <a:defRPr/>
+            </a:pPr>
+            <a:endParaRPr kumimoji="0" lang="en-SG" altLang="en-US" sz="1350" b="0" i="0" u="none" strike="noStrike" kern="1200" cap="none" spc="0" normalizeH="0" baseline="0" noProof="0">
+              <a:ln>
+                <a:noFill/>
+              </a:ln>
+              <a:solidFill>
+                <a:srgbClr val="FFFFFF"/>
+              </a:solidFill>
+              <a:effectLst/>
+              <a:uLnTx/>
+              <a:uFillTx/>
+              <a:latin typeface="Calibri" panose="020F0502020204030204" pitchFamily="34" charset="0"/>
+              <a:ea typeface="ヒラギノ角ゴ Pro W3"/>
+            </a:endParaRPr>
+          </a:p>
+        </p:txBody>
+      </p:sp>
+      <p:sp>
+        <p:nvSpPr>
+          <p:cNvPr id="16" name="Flowchart: Stored Data 15"/>
+          <p:cNvSpPr/>
+          <p:nvPr userDrawn="1"/>
+        </p:nvSpPr>
+        <p:spPr>
+          <a:xfrm rot="16200000">
+            <a:off x="6120607" y="3998121"/>
+            <a:ext cx="5332413" cy="53975"/>
+          </a:xfrm>
+          <a:prstGeom prst="flowChartOnlineStorage">
+            <a:avLst/>
+          </a:prstGeom>
+          <a:solidFill>
+            <a:srgbClr val="DA291C"/>
+          </a:solidFill>
+          <a:ln>
+            <a:noFill/>
+          </a:ln>
+          <a:effectLst/>
+        </p:spPr>
+        <p:style>
+          <a:lnRef idx="1">
+            <a:schemeClr val="accent1"/>
+          </a:lnRef>
+          <a:fillRef idx="3">
+            <a:schemeClr val="accent1"/>
+          </a:fillRef>
+          <a:effectRef idx="2">
+            <a:schemeClr val="accent1"/>
+          </a:effectRef>
+          <a:fontRef idx="minor">
+            <a:schemeClr val="lt1"/>
+          </a:fontRef>
+        </p:style>
+        <p:txBody>
+          <a:bodyPr anchor="ctr"/>
+          <a:lstStyle>
+            <a:lvl1pPr>
+              <a:defRPr>
+                <a:solidFill>
+                  <a:schemeClr val="tx1"/>
+                </a:solidFill>
+                <a:latin typeface="Arial" panose="020B0604020202020204" pitchFamily="34" charset="0"/>
+                <a:ea typeface="ヒラギノ角ゴ Pro W3"/>
+                <a:cs typeface="ヒラギノ角ゴ Pro W3"/>
+              </a:defRPr>
+            </a:lvl1pPr>
+            <a:lvl2pPr marL="742950" indent="-285750">
+              <a:defRPr>
+                <a:solidFill>
+                  <a:schemeClr val="tx1"/>
+                </a:solidFill>
+                <a:latin typeface="Arial" panose="020B0604020202020204" pitchFamily="34" charset="0"/>
+                <a:ea typeface="ヒラギノ角ゴ Pro W3"/>
+                <a:cs typeface="ヒラギノ角ゴ Pro W3"/>
+              </a:defRPr>
+            </a:lvl2pPr>
+            <a:lvl3pPr marL="1143000" indent="-228600">
+              <a:defRPr>
+                <a:solidFill>
+                  <a:schemeClr val="tx1"/>
+                </a:solidFill>
+                <a:latin typeface="Arial" panose="020B0604020202020204" pitchFamily="34" charset="0"/>
+                <a:ea typeface="ヒラギノ角ゴ Pro W3"/>
+                <a:cs typeface="ヒラギノ角ゴ Pro W3"/>
+              </a:defRPr>
+            </a:lvl3pPr>
+            <a:lvl4pPr marL="1600200" indent="-228600">
+              <a:defRPr>
+                <a:solidFill>
+                  <a:schemeClr val="tx1"/>
+                </a:solidFill>
+                <a:latin typeface="Arial" panose="020B0604020202020204" pitchFamily="34" charset="0"/>
+                <a:ea typeface="ヒラギノ角ゴ Pro W3"/>
+                <a:cs typeface="ヒラギノ角ゴ Pro W3"/>
+              </a:defRPr>
+            </a:lvl4pPr>
+            <a:lvl5pPr marL="2057400" indent="-228600">
+              <a:defRPr>
+                <a:solidFill>
+                  <a:schemeClr val="tx1"/>
+                </a:solidFill>
+                <a:latin typeface="Arial" panose="020B0604020202020204" pitchFamily="34" charset="0"/>
+                <a:ea typeface="ヒラギノ角ゴ Pro W3"/>
+                <a:cs typeface="ヒラギノ角ゴ Pro W3"/>
+              </a:defRPr>
+            </a:lvl5pPr>
+            <a:lvl6pPr marL="2514600" indent="-228600" defTabSz="457200" eaLnBrk="0" fontAlgn="base" hangingPunct="0">
+              <a:spcBef>
+                <a:spcPct val="0"/>
+              </a:spcBef>
+              <a:spcAft>
+                <a:spcPct val="0"/>
+              </a:spcAft>
+              <a:defRPr>
+                <a:solidFill>
+                  <a:schemeClr val="tx1"/>
+                </a:solidFill>
+                <a:latin typeface="Arial" panose="020B0604020202020204" pitchFamily="34" charset="0"/>
+                <a:ea typeface="ヒラギノ角ゴ Pro W3"/>
+                <a:cs typeface="ヒラギノ角ゴ Pro W3"/>
+              </a:defRPr>
+            </a:lvl6pPr>
+            <a:lvl7pPr marL="2971800" indent="-228600" defTabSz="457200" eaLnBrk="0" fontAlgn="base" hangingPunct="0">
+              <a:spcBef>
+                <a:spcPct val="0"/>
+              </a:spcBef>
+              <a:spcAft>
+                <a:spcPct val="0"/>
+              </a:spcAft>
+              <a:defRPr>
+                <a:solidFill>
+                  <a:schemeClr val="tx1"/>
+                </a:solidFill>
+                <a:latin typeface="Arial" panose="020B0604020202020204" pitchFamily="34" charset="0"/>
+                <a:ea typeface="ヒラギノ角ゴ Pro W3"/>
+                <a:cs typeface="ヒラギノ角ゴ Pro W3"/>
+              </a:defRPr>
+            </a:lvl7pPr>
+            <a:lvl8pPr marL="3429000" indent="-228600" defTabSz="457200" eaLnBrk="0" fontAlgn="base" hangingPunct="0">
+              <a:spcBef>
+                <a:spcPct val="0"/>
+              </a:spcBef>
+              <a:spcAft>
+                <a:spcPct val="0"/>
+              </a:spcAft>
+              <a:defRPr>
+                <a:solidFill>
+                  <a:schemeClr val="tx1"/>
+                </a:solidFill>
+                <a:latin typeface="Arial" panose="020B0604020202020204" pitchFamily="34" charset="0"/>
+                <a:ea typeface="ヒラギノ角ゴ Pro W3"/>
+                <a:cs typeface="ヒラギノ角ゴ Pro W3"/>
+              </a:defRPr>
+            </a:lvl8pPr>
+            <a:lvl9pPr marL="3886200" indent="-228600" defTabSz="457200" eaLnBrk="0" fontAlgn="base" hangingPunct="0">
+              <a:spcBef>
+                <a:spcPct val="0"/>
+              </a:spcBef>
+              <a:spcAft>
+                <a:spcPct val="0"/>
+              </a:spcAft>
+              <a:defRPr>
+                <a:solidFill>
+                  <a:schemeClr val="tx1"/>
+                </a:solidFill>
+                <a:latin typeface="Arial" panose="020B0604020202020204" pitchFamily="34" charset="0"/>
+                <a:ea typeface="ヒラギノ角ゴ Pro W3"/>
+                <a:cs typeface="ヒラギノ角ゴ Pro W3"/>
+              </a:defRPr>
+            </a:lvl9pPr>
+          </a:lstStyle>
+          <a:p>
+            <a:pPr marL="0" marR="0" lvl="0" indent="0" algn="ctr" defTabSz="457200" rtl="0" eaLnBrk="1" fontAlgn="auto" latinLnBrk="0" hangingPunct="1">
+              <a:lnSpc>
+                <a:spcPct val="100000"/>
+              </a:lnSpc>
+              <a:spcBef>
+                <a:spcPts val="0"/>
+              </a:spcBef>
+              <a:spcAft>
+                <a:spcPts val="0"/>
+              </a:spcAft>
+              <a:buClrTx/>
+              <a:buSzTx/>
+              <a:buFontTx/>
+              <a:buNone/>
+              <a:tabLst/>
+              <a:defRPr/>
+            </a:pPr>
+            <a:endParaRPr kumimoji="0" lang="en-SG" altLang="en-US" sz="1350" b="0" i="0" u="none" strike="noStrike" kern="1200" cap="none" spc="0" normalizeH="0" baseline="0" noProof="0">
+              <a:ln>
+                <a:noFill/>
+              </a:ln>
+              <a:solidFill>
+                <a:srgbClr val="FFFFFF"/>
+              </a:solidFill>
+              <a:effectLst/>
+              <a:uLnTx/>
+              <a:uFillTx/>
+              <a:latin typeface="Calibri" panose="020F0502020204030204" pitchFamily="34" charset="0"/>
+              <a:ea typeface="ヒラギノ角ゴ Pro W3"/>
+            </a:endParaRPr>
+          </a:p>
+        </p:txBody>
+      </p:sp>
+      <p:pic>
+        <p:nvPicPr>
+          <p:cNvPr id="1033" name="Picture 1"/>
+          <p:cNvPicPr>
+            <a:picLocks noChangeAspect="1"/>
+          </p:cNvPicPr>
+          <p:nvPr userDrawn="1"/>
+        </p:nvPicPr>
+        <p:blipFill>
           <a:blip r:embed="rId4" cstate="print">
             <a:extLst>
               <a:ext uri="{28A0092B-C50C-407E-A947-70E740481C1C}">
@@ -16198,14 +18196,14 @@
     </p:spTree>
     <p:extLst>
       <p:ext uri="{BB962C8B-B14F-4D97-AF65-F5344CB8AC3E}">
-        <p14:creationId xmlns:p14="http://schemas.microsoft.com/office/powerpoint/2010/main" val="1435586373"/>
+        <p14:creationId xmlns:p14="http://schemas.microsoft.com/office/powerpoint/2010/main" val="923460603"/>
       </p:ext>
     </p:extLst>
   </p:cSld>
   <p:clrMap bg1="lt1" tx1="dk1" bg2="lt2" tx2="dk2" accent1="accent1" accent2="accent2" accent3="accent3" accent4="accent4" accent5="accent5" accent6="accent6" hlink="hlink" folHlink="folHlink"/>
   <p:sldLayoutIdLst>
-    <p:sldLayoutId id="2147483681" r:id="rId1"/>
-    <p:sldLayoutId id="2147483682" r:id="rId2"/>
+    <p:sldLayoutId id="2147483683" r:id="rId1"/>
+    <p:sldLayoutId id="2147483684" r:id="rId2"/>
   </p:sldLayoutIdLst>
   <p:txStyles>
     <p:titleStyle>
@@ -16750,27 +18748,15 @@
       </p:sp>
       <p:graphicFrame>
         <p:nvGraphicFramePr>
-          <p:cNvPr id="5" name="Content Placeholder 3">
-            <a:extLst>
-              <a:ext uri="{FF2B5EF4-FFF2-40B4-BE49-F238E27FC236}">
-                <a16:creationId xmlns:a16="http://schemas.microsoft.com/office/drawing/2014/main" id="{FF1ECEEC-E9C7-35F8-0846-7C14D5DD8CA5}"/>
-              </a:ext>
-            </a:extLst>
-          </p:cNvPr>
+          <p:cNvPr id="6" name="Content Placeholder 3"/>
           <p:cNvGraphicFramePr>
             <a:graphicFrameLocks/>
           </p:cNvGraphicFramePr>
-          <p:nvPr>
-            <p:extLst>
-              <p:ext uri="{D42A27DB-BD31-4B8C-83A1-F6EECF244321}">
-                <p14:modId xmlns:p14="http://schemas.microsoft.com/office/powerpoint/2010/main" val="4064427579"/>
-              </p:ext>
-            </p:extLst>
-          </p:nvPr>
+          <p:nvPr/>
         </p:nvGraphicFramePr>
         <p:xfrm>
           <a:off x="495522" y="2093160"/>
-          <a:ext cx="7565113" cy="3773204"/>
+          <a:ext cx="7743150" cy="3773204"/>
         </p:xfrm>
         <a:graphic>
           <a:graphicData uri="http://schemas.openxmlformats.org/drawingml/2006/table">
@@ -16779,21 +18765,21 @@
                 <a:tableStyleId>{5C22544A-7EE6-4342-B048-85BDC9FD1C3A}</a:tableStyleId>
               </a:tblPr>
               <a:tblGrid>
-                <a:gridCol w="2252574">
+                <a:gridCol w="2400646">
                   <a:extLst>
                     <a:ext uri="{9D8B030D-6E8A-4147-A177-3AD203B41FA5}">
                       <a16:colId xmlns:a16="http://schemas.microsoft.com/office/drawing/2014/main" val="736504923"/>
                     </a:ext>
                   </a:extLst>
                 </a:gridCol>
-                <a:gridCol w="3114799">
+                <a:gridCol w="2867660">
                   <a:extLst>
                     <a:ext uri="{9D8B030D-6E8A-4147-A177-3AD203B41FA5}">
                       <a16:colId xmlns:a16="http://schemas.microsoft.com/office/drawing/2014/main" val="2972121942"/>
                     </a:ext>
                   </a:extLst>
                 </a:gridCol>
-                <a:gridCol w="2197740">
+                <a:gridCol w="2474844">
                   <a:extLst>
                     <a:ext uri="{9D8B030D-6E8A-4147-A177-3AD203B41FA5}">
                       <a16:colId xmlns:a16="http://schemas.microsoft.com/office/drawing/2014/main" val="4127926302"/>
@@ -16869,13 +18855,7 @@
                       <a:endParaRPr lang="en-SG" dirty="0"/>
                     </a:p>
                   </a:txBody>
-                  <a:tcPr anchor="ctr">
-                    <a:solidFill>
-                      <a:schemeClr val="bg1">
-                        <a:lumMod val="50000"/>
-                      </a:schemeClr>
-                    </a:solidFill>
-                  </a:tcPr>
+                  <a:tcPr anchor="ctr"/>
                 </a:tc>
                 <a:tc>
                   <a:txBody>
@@ -16890,13 +18870,7 @@
                       <a:endParaRPr lang="en-SG" dirty="0"/>
                     </a:p>
                   </a:txBody>
-                  <a:tcPr anchor="ctr">
-                    <a:solidFill>
-                      <a:schemeClr val="bg1">
-                        <a:lumMod val="50000"/>
-                      </a:schemeClr>
-                    </a:solidFill>
-                  </a:tcPr>
+                  <a:tcPr anchor="ctr"/>
                 </a:tc>
                 <a:tc>
                   <a:txBody>
@@ -16904,16 +18878,14 @@
                     <a:lstStyle/>
                     <a:p>
                       <a:pPr algn="ctr"/>
+                      <a:r>
+                        <a:rPr lang="en-US" dirty="0"/>
+                        <a:t>27 January 2023, noon</a:t>
+                      </a:r>
                       <a:endParaRPr lang="en-SG" dirty="0"/>
                     </a:p>
                   </a:txBody>
-                  <a:tcPr anchor="ctr">
-                    <a:solidFill>
-                      <a:schemeClr val="bg1">
-                        <a:lumMod val="50000"/>
-                      </a:schemeClr>
-                    </a:solidFill>
-                  </a:tcPr>
+                  <a:tcPr anchor="ctr"/>
                 </a:tc>
                 <a:extLst>
                   <a:ext uri="{0D108BD9-81ED-4DB2-BD59-A6C34878D82A}">
@@ -16934,13 +18906,7 @@
                       <a:endParaRPr lang="en-SG" dirty="0"/>
                     </a:p>
                   </a:txBody>
-                  <a:tcPr anchor="ctr">
-                    <a:solidFill>
-                      <a:schemeClr val="bg1">
-                        <a:lumMod val="50000"/>
-                      </a:schemeClr>
-                    </a:solidFill>
-                  </a:tcPr>
+                  <a:tcPr anchor="ctr"/>
                 </a:tc>
                 <a:tc>
                   <a:txBody>
@@ -16955,13 +18921,7 @@
                       <a:endParaRPr lang="en-SG" dirty="0"/>
                     </a:p>
                   </a:txBody>
-                  <a:tcPr anchor="ctr">
-                    <a:solidFill>
-                      <a:schemeClr val="bg1">
-                        <a:lumMod val="50000"/>
-                      </a:schemeClr>
-                    </a:solidFill>
-                  </a:tcPr>
+                  <a:tcPr anchor="ctr"/>
                 </a:tc>
                 <a:tc>
                   <a:txBody>
@@ -16969,16 +18929,14 @@
                     <a:lstStyle/>
                     <a:p>
                       <a:pPr algn="ctr"/>
+                      <a:r>
+                        <a:rPr lang="en-US" dirty="0"/>
+                        <a:t>6 February 2023, noon</a:t>
+                      </a:r>
                       <a:endParaRPr lang="en-SG" dirty="0"/>
                     </a:p>
                   </a:txBody>
-                  <a:tcPr anchor="ctr">
-                    <a:solidFill>
-                      <a:schemeClr val="bg1">
-                        <a:lumMod val="50000"/>
-                      </a:schemeClr>
-                    </a:solidFill>
-                  </a:tcPr>
+                  <a:tcPr anchor="ctr"/>
                 </a:tc>
                 <a:extLst>
                   <a:ext uri="{0D108BD9-81ED-4DB2-BD59-A6C34878D82A}">
@@ -17003,13 +18961,7 @@
                       <a:endParaRPr lang="en-SG" dirty="0"/>
                     </a:p>
                   </a:txBody>
-                  <a:tcPr anchor="ctr">
-                    <a:solidFill>
-                      <a:schemeClr val="bg1">
-                        <a:lumMod val="50000"/>
-                      </a:schemeClr>
-                    </a:solidFill>
-                  </a:tcPr>
+                  <a:tcPr anchor="ctr"/>
                 </a:tc>
                 <a:tc>
                   <a:txBody>
@@ -17024,13 +18976,7 @@
                       <a:endParaRPr lang="en-SG" dirty="0"/>
                     </a:p>
                   </a:txBody>
-                  <a:tcPr anchor="ctr">
-                    <a:solidFill>
-                      <a:schemeClr val="bg1">
-                        <a:lumMod val="50000"/>
-                      </a:schemeClr>
-                    </a:solidFill>
-                  </a:tcPr>
+                  <a:tcPr anchor="ctr"/>
                 </a:tc>
                 <a:tc>
                   <a:txBody>
@@ -17038,16 +18984,13 @@
                     <a:lstStyle/>
                     <a:p>
                       <a:pPr algn="ctr"/>
-                      <a:endParaRPr lang="en-SG" dirty="0"/>
+                      <a:r>
+                        <a:rPr lang="en-SG" dirty="0"/>
+                        <a:t>5 February 2023, 2355hrs</a:t>
+                      </a:r>
                     </a:p>
                   </a:txBody>
-                  <a:tcPr anchor="ctr">
-                    <a:solidFill>
-                      <a:schemeClr val="bg1">
-                        <a:lumMod val="50000"/>
-                      </a:schemeClr>
-                    </a:solidFill>
-                  </a:tcPr>
+                  <a:tcPr anchor="ctr"/>
                 </a:tc>
                 <a:extLst>
                   <a:ext uri="{0D108BD9-81ED-4DB2-BD59-A6C34878D82A}">
@@ -17099,7 +19042,10 @@
                     <a:lstStyle/>
                     <a:p>
                       <a:pPr algn="ctr"/>
-                      <a:endParaRPr lang="en-SG" dirty="0"/>
+                      <a:r>
+                        <a:rPr lang="en-SG" dirty="0"/>
+                        <a:t>19 February 2023, 2355hrs</a:t>
+                      </a:r>
                     </a:p>
                   </a:txBody>
                   <a:tcPr anchor="ctr"/>
@@ -17166,6 +19112,10 @@
                         <a:tabLst/>
                         <a:defRPr/>
                       </a:pPr>
+                      <a:r>
+                        <a:rPr lang="en-US" dirty="0"/>
+                        <a:t>20 February 2023, noon</a:t>
+                      </a:r>
                       <a:endParaRPr lang="en-SG" dirty="0"/>
                     </a:p>
                   </a:txBody>
@@ -17229,6 +19179,10 @@
                         <a:tabLst/>
                         <a:defRPr/>
                       </a:pPr>
+                      <a:r>
+                        <a:rPr lang="en-US" dirty="0"/>
+                        <a:t>6 March 2023, 1200 noon</a:t>
+                      </a:r>
                       <a:endParaRPr lang="en-SG" dirty="0"/>
                     </a:p>
                   </a:txBody>
@@ -17317,7 +19271,7 @@
     </p:custDataLst>
     <p:extLst>
       <p:ext uri="{BB962C8B-B14F-4D97-AF65-F5344CB8AC3E}">
-        <p14:creationId xmlns:p14="http://schemas.microsoft.com/office/powerpoint/2010/main" val="1113109706"/>
+        <p14:creationId xmlns:p14="http://schemas.microsoft.com/office/powerpoint/2010/main" val="2358700553"/>
       </p:ext>
     </p:extLst>
   </p:cSld>
@@ -28663,6 +30617,324 @@
 </file>
 
 <file path=ppt/theme/theme4.xml><?xml version="1.0" encoding="utf-8"?>
+<a:theme xmlns:a="http://schemas.openxmlformats.org/drawingml/2006/main" name="4_Office Theme">
+  <a:themeElements>
+    <a:clrScheme name="Office">
+      <a:dk1>
+        <a:sysClr val="windowText" lastClr="000000"/>
+      </a:dk1>
+      <a:lt1>
+        <a:sysClr val="window" lastClr="FFFFFF"/>
+      </a:lt1>
+      <a:dk2>
+        <a:srgbClr val="1F497D"/>
+      </a:dk2>
+      <a:lt2>
+        <a:srgbClr val="EEECE1"/>
+      </a:lt2>
+      <a:accent1>
+        <a:srgbClr val="4F81BD"/>
+      </a:accent1>
+      <a:accent2>
+        <a:srgbClr val="C0504D"/>
+      </a:accent2>
+      <a:accent3>
+        <a:srgbClr val="9BBB59"/>
+      </a:accent3>
+      <a:accent4>
+        <a:srgbClr val="8064A2"/>
+      </a:accent4>
+      <a:accent5>
+        <a:srgbClr val="4BACC6"/>
+      </a:accent5>
+      <a:accent6>
+        <a:srgbClr val="F79646"/>
+      </a:accent6>
+      <a:hlink>
+        <a:srgbClr val="0000FF"/>
+      </a:hlink>
+      <a:folHlink>
+        <a:srgbClr val="800080"/>
+      </a:folHlink>
+    </a:clrScheme>
+    <a:fontScheme name="Office">
+      <a:majorFont>
+        <a:latin typeface="Calibri"/>
+        <a:ea typeface=""/>
+        <a:cs typeface=""/>
+        <a:font script="Jpan" typeface="ＭＳ Ｐゴシック"/>
+        <a:font script="Hang" typeface="맑은 고딕"/>
+        <a:font script="Hans" typeface="宋体"/>
+        <a:font script="Hant" typeface="新細明體"/>
+        <a:font script="Arab" typeface="Times New Roman"/>
+        <a:font script="Hebr" typeface="Times New Roman"/>
+        <a:font script="Thai" typeface="Angsana New"/>
+        <a:font script="Ethi" typeface="Nyala"/>
+        <a:font script="Beng" typeface="Vrinda"/>
+        <a:font script="Gujr" typeface="Shruti"/>
+        <a:font script="Khmr" typeface="MoolBoran"/>
+        <a:font script="Knda" typeface="Tunga"/>
+        <a:font script="Guru" typeface="Raavi"/>
+        <a:font script="Cans" typeface="Euphemia"/>
+        <a:font script="Cher" typeface="Plantagenet Cherokee"/>
+        <a:font script="Yiii" typeface="Microsoft Yi Baiti"/>
+        <a:font script="Tibt" typeface="Microsoft Himalaya"/>
+        <a:font script="Thaa" typeface="MV Boli"/>
+        <a:font script="Deva" typeface="Mangal"/>
+        <a:font script="Telu" typeface="Gautami"/>
+        <a:font script="Taml" typeface="Latha"/>
+        <a:font script="Syrc" typeface="Estrangelo Edessa"/>
+        <a:font script="Orya" typeface="Kalinga"/>
+        <a:font script="Mlym" typeface="Kartika"/>
+        <a:font script="Laoo" typeface="DokChampa"/>
+        <a:font script="Sinh" typeface="Iskoola Pota"/>
+        <a:font script="Mong" typeface="Mongolian Baiti"/>
+        <a:font script="Viet" typeface="Times New Roman"/>
+        <a:font script="Uigh" typeface="Microsoft Uighur"/>
+      </a:majorFont>
+      <a:minorFont>
+        <a:latin typeface="Calibri"/>
+        <a:ea typeface=""/>
+        <a:cs typeface=""/>
+        <a:font script="Jpan" typeface="ＭＳ Ｐゴシック"/>
+        <a:font script="Hang" typeface="맑은 고딕"/>
+        <a:font script="Hans" typeface="宋体"/>
+        <a:font script="Hant" typeface="新細明體"/>
+        <a:font script="Arab" typeface="Arial"/>
+        <a:font script="Hebr" typeface="Arial"/>
+        <a:font script="Thai" typeface="Cordia New"/>
+        <a:font script="Ethi" typeface="Nyala"/>
+        <a:font script="Beng" typeface="Vrinda"/>
+        <a:font script="Gujr" typeface="Shruti"/>
+        <a:font script="Khmr" typeface="DaunPenh"/>
+        <a:font script="Knda" typeface="Tunga"/>
+        <a:font script="Guru" typeface="Raavi"/>
+        <a:font script="Cans" typeface="Euphemia"/>
+        <a:font script="Cher" typeface="Plantagenet Cherokee"/>
+        <a:font script="Yiii" typeface="Microsoft Yi Baiti"/>
+        <a:font script="Tibt" typeface="Microsoft Himalaya"/>
+        <a:font script="Thaa" typeface="MV Boli"/>
+        <a:font script="Deva" typeface="Mangal"/>
+        <a:font script="Telu" typeface="Gautami"/>
+        <a:font script="Taml" typeface="Latha"/>
+        <a:font script="Syrc" typeface="Estrangelo Edessa"/>
+        <a:font script="Orya" typeface="Kalinga"/>
+        <a:font script="Mlym" typeface="Kartika"/>
+        <a:font script="Laoo" typeface="DokChampa"/>
+        <a:font script="Sinh" typeface="Iskoola Pota"/>
+        <a:font script="Mong" typeface="Mongolian Baiti"/>
+        <a:font script="Viet" typeface="Arial"/>
+        <a:font script="Uigh" typeface="Microsoft Uighur"/>
+      </a:minorFont>
+    </a:fontScheme>
+    <a:fmtScheme name="Office">
+      <a:fillStyleLst>
+        <a:solidFill>
+          <a:schemeClr val="phClr"/>
+        </a:solidFill>
+        <a:gradFill rotWithShape="1">
+          <a:gsLst>
+            <a:gs pos="0">
+              <a:schemeClr val="phClr">
+                <a:tint val="50000"/>
+                <a:satMod val="300000"/>
+              </a:schemeClr>
+            </a:gs>
+            <a:gs pos="35000">
+              <a:schemeClr val="phClr">
+                <a:tint val="37000"/>
+                <a:satMod val="300000"/>
+              </a:schemeClr>
+            </a:gs>
+            <a:gs pos="100000">
+              <a:schemeClr val="phClr">
+                <a:tint val="15000"/>
+                <a:satMod val="350000"/>
+              </a:schemeClr>
+            </a:gs>
+          </a:gsLst>
+          <a:lin ang="16200000" scaled="1"/>
+        </a:gradFill>
+        <a:gradFill rotWithShape="1">
+          <a:gsLst>
+            <a:gs pos="0">
+              <a:schemeClr val="phClr">
+                <a:tint val="100000"/>
+                <a:shade val="100000"/>
+                <a:satMod val="130000"/>
+              </a:schemeClr>
+            </a:gs>
+            <a:gs pos="100000">
+              <a:schemeClr val="phClr">
+                <a:tint val="50000"/>
+                <a:shade val="100000"/>
+                <a:satMod val="350000"/>
+              </a:schemeClr>
+            </a:gs>
+          </a:gsLst>
+          <a:lin ang="16200000" scaled="0"/>
+        </a:gradFill>
+      </a:fillStyleLst>
+      <a:lnStyleLst>
+        <a:ln w="9525" cap="flat" cmpd="sng" algn="ctr">
+          <a:solidFill>
+            <a:schemeClr val="phClr">
+              <a:shade val="95000"/>
+              <a:satMod val="105000"/>
+            </a:schemeClr>
+          </a:solidFill>
+          <a:prstDash val="solid"/>
+        </a:ln>
+        <a:ln w="25400" cap="flat" cmpd="sng" algn="ctr">
+          <a:solidFill>
+            <a:schemeClr val="phClr"/>
+          </a:solidFill>
+          <a:prstDash val="solid"/>
+        </a:ln>
+        <a:ln w="38100" cap="flat" cmpd="sng" algn="ctr">
+          <a:solidFill>
+            <a:schemeClr val="phClr"/>
+          </a:solidFill>
+          <a:prstDash val="solid"/>
+        </a:ln>
+      </a:lnStyleLst>
+      <a:effectStyleLst>
+        <a:effectStyle>
+          <a:effectLst>
+            <a:outerShdw blurRad="40000" dist="20000" dir="5400000" rotWithShape="0">
+              <a:srgbClr val="000000">
+                <a:alpha val="38000"/>
+              </a:srgbClr>
+            </a:outerShdw>
+          </a:effectLst>
+        </a:effectStyle>
+        <a:effectStyle>
+          <a:effectLst>
+            <a:outerShdw blurRad="40000" dist="23000" dir="5400000" rotWithShape="0">
+              <a:srgbClr val="000000">
+                <a:alpha val="35000"/>
+              </a:srgbClr>
+            </a:outerShdw>
+          </a:effectLst>
+        </a:effectStyle>
+        <a:effectStyle>
+          <a:effectLst>
+            <a:outerShdw blurRad="40000" dist="23000" dir="5400000" rotWithShape="0">
+              <a:srgbClr val="000000">
+                <a:alpha val="35000"/>
+              </a:srgbClr>
+            </a:outerShdw>
+          </a:effectLst>
+          <a:scene3d>
+            <a:camera prst="orthographicFront">
+              <a:rot lat="0" lon="0" rev="0"/>
+            </a:camera>
+            <a:lightRig rig="threePt" dir="t">
+              <a:rot lat="0" lon="0" rev="1200000"/>
+            </a:lightRig>
+          </a:scene3d>
+          <a:sp3d>
+            <a:bevelT w="63500" h="25400"/>
+          </a:sp3d>
+        </a:effectStyle>
+      </a:effectStyleLst>
+      <a:bgFillStyleLst>
+        <a:solidFill>
+          <a:schemeClr val="phClr"/>
+        </a:solidFill>
+        <a:gradFill rotWithShape="1">
+          <a:gsLst>
+            <a:gs pos="0">
+              <a:schemeClr val="phClr">
+                <a:tint val="40000"/>
+                <a:satMod val="350000"/>
+              </a:schemeClr>
+            </a:gs>
+            <a:gs pos="40000">
+              <a:schemeClr val="phClr">
+                <a:tint val="45000"/>
+                <a:shade val="99000"/>
+                <a:satMod val="350000"/>
+              </a:schemeClr>
+            </a:gs>
+            <a:gs pos="100000">
+              <a:schemeClr val="phClr">
+                <a:shade val="20000"/>
+                <a:satMod val="255000"/>
+              </a:schemeClr>
+            </a:gs>
+          </a:gsLst>
+          <a:path path="circle">
+            <a:fillToRect l="50000" t="-80000" r="50000" b="180000"/>
+          </a:path>
+        </a:gradFill>
+        <a:gradFill rotWithShape="1">
+          <a:gsLst>
+            <a:gs pos="0">
+              <a:schemeClr val="phClr">
+                <a:tint val="80000"/>
+                <a:satMod val="300000"/>
+              </a:schemeClr>
+            </a:gs>
+            <a:gs pos="100000">
+              <a:schemeClr val="phClr">
+                <a:shade val="30000"/>
+                <a:satMod val="200000"/>
+              </a:schemeClr>
+            </a:gs>
+          </a:gsLst>
+          <a:path path="circle">
+            <a:fillToRect l="50000" t="50000" r="50000" b="50000"/>
+          </a:path>
+        </a:gradFill>
+      </a:bgFillStyleLst>
+    </a:fmtScheme>
+  </a:themeElements>
+  <a:objectDefaults>
+    <a:spDef>
+      <a:spPr/>
+      <a:bodyPr/>
+      <a:lstStyle/>
+      <a:style>
+        <a:lnRef idx="1">
+          <a:schemeClr val="accent1"/>
+        </a:lnRef>
+        <a:fillRef idx="3">
+          <a:schemeClr val="accent1"/>
+        </a:fillRef>
+        <a:effectRef idx="2">
+          <a:schemeClr val="accent1"/>
+        </a:effectRef>
+        <a:fontRef idx="minor">
+          <a:schemeClr val="lt1"/>
+        </a:fontRef>
+      </a:style>
+    </a:spDef>
+    <a:lnDef>
+      <a:spPr/>
+      <a:bodyPr/>
+      <a:lstStyle/>
+      <a:style>
+        <a:lnRef idx="2">
+          <a:schemeClr val="accent1"/>
+        </a:lnRef>
+        <a:fillRef idx="0">
+          <a:schemeClr val="accent1"/>
+        </a:fillRef>
+        <a:effectRef idx="1">
+          <a:schemeClr val="accent1"/>
+        </a:effectRef>
+        <a:fontRef idx="minor">
+          <a:schemeClr val="tx1"/>
+        </a:fontRef>
+      </a:style>
+    </a:lnDef>
+  </a:objectDefaults>
+  <a:extraClrSchemeLst/>
+</a:theme>
+</file>
+
+<file path=ppt/theme/theme5.xml><?xml version="1.0" encoding="utf-8"?>
 <a:theme xmlns:a="http://schemas.openxmlformats.org/drawingml/2006/main" name="Office Theme">
   <a:themeElements>
     <a:clrScheme name="Office">
@@ -28945,7 +31217,7 @@
 </a:theme>
 </file>
 
-<file path=ppt/theme/theme5.xml><?xml version="1.0" encoding="utf-8"?>
+<file path=ppt/theme/theme6.xml><?xml version="1.0" encoding="utf-8"?>
 <a:theme xmlns:a="http://schemas.openxmlformats.org/drawingml/2006/main" name="Office Theme">
   <a:themeElements>
     <a:clrScheme name="Office">
@@ -29207,9 +31479,12 @@
 </file>
 
 <file path=customXml/item1.xml><?xml version="1.0" encoding="utf-8"?>
-<p:properties xmlns:p="http://schemas.microsoft.com/office/2006/metadata/properties" xmlns:xsi="http://www.w3.org/2001/XMLSchema-instance">
-  <documentManagement/>
-</p:properties>
+<?mso-contentType ?>
+<FormTemplates xmlns="http://schemas.microsoft.com/sharepoint/v3/contenttype/forms">
+  <Display>DocumentLibraryForm</Display>
+  <Edit>DocumentLibraryForm</Edit>
+  <New>DocumentLibraryForm</New>
+</FormTemplates>
 </file>
 
 <file path=customXml/item2.xml><?xml version="1.0" encoding="utf-8"?>
@@ -29262,24 +31537,15 @@
 </file>
 
 <file path=customXml/item3.xml><?xml version="1.0" encoding="utf-8"?>
-<?mso-contentType ?>
-<FormTemplates xmlns="http://schemas.microsoft.com/sharepoint/v3/contenttype/forms">
-  <Display>DocumentLibraryForm</Display>
-  <Edit>DocumentLibraryForm</Edit>
-  <New>DocumentLibraryForm</New>
-</FormTemplates>
+<p:properties xmlns:p="http://schemas.microsoft.com/office/2006/metadata/properties" xmlns:xsi="http://www.w3.org/2001/XMLSchema-instance">
+  <documentManagement/>
+</p:properties>
 </file>
 
 <file path=customXml/itemProps1.xml><?xml version="1.0" encoding="utf-8"?>
-<ds:datastoreItem xmlns:ds="http://schemas.openxmlformats.org/officeDocument/2006/customXml" ds:itemID="{50BC6695-9009-4E8C-96D7-2BD9B437109A}">
+<ds:datastoreItem xmlns:ds="http://schemas.openxmlformats.org/officeDocument/2006/customXml" ds:itemID="{A8AED1B3-2F45-4762-91FA-ED08F295B52E}">
   <ds:schemaRefs>
-    <ds:schemaRef ds:uri="http://schemas.microsoft.com/office/2006/metadata/properties"/>
-    <ds:schemaRef ds:uri="http://purl.org/dc/terms/"/>
-    <ds:schemaRef ds:uri="http://schemas.openxmlformats.org/package/2006/metadata/core-properties"/>
-    <ds:schemaRef ds:uri="http://schemas.microsoft.com/office/2006/documentManagement/types"/>
-    <ds:schemaRef ds:uri="http://purl.org/dc/elements/1.1/"/>
-    <ds:schemaRef ds:uri="http://www.w3.org/XML/1998/namespace"/>
-    <ds:schemaRef ds:uri="http://purl.org/dc/dcmitype/"/>
+    <ds:schemaRef ds:uri="http://schemas.microsoft.com/sharepoint/v3/contenttype/forms"/>
   </ds:schemaRefs>
 </ds:datastoreItem>
 </file>
@@ -29300,9 +31566,15 @@
 </file>
 
 <file path=customXml/itemProps3.xml><?xml version="1.0" encoding="utf-8"?>
-<ds:datastoreItem xmlns:ds="http://schemas.openxmlformats.org/officeDocument/2006/customXml" ds:itemID="{A8AED1B3-2F45-4762-91FA-ED08F295B52E}">
+<ds:datastoreItem xmlns:ds="http://schemas.openxmlformats.org/officeDocument/2006/customXml" ds:itemID="{50BC6695-9009-4E8C-96D7-2BD9B437109A}">
   <ds:schemaRefs>
-    <ds:schemaRef ds:uri="http://schemas.microsoft.com/sharepoint/v3/contenttype/forms"/>
+    <ds:schemaRef ds:uri="http://schemas.microsoft.com/office/2006/metadata/properties"/>
+    <ds:schemaRef ds:uri="http://purl.org/dc/terms/"/>
+    <ds:schemaRef ds:uri="http://schemas.openxmlformats.org/package/2006/metadata/core-properties"/>
+    <ds:schemaRef ds:uri="http://schemas.microsoft.com/office/2006/documentManagement/types"/>
+    <ds:schemaRef ds:uri="http://purl.org/dc/elements/1.1/"/>
+    <ds:schemaRef ds:uri="http://www.w3.org/XML/1998/namespace"/>
+    <ds:schemaRef ds:uri="http://purl.org/dc/dcmitype/"/>
   </ds:schemaRefs>
 </ds:datastoreItem>
 </file>
--- a/SuSS/2023_Sem1_ANL252_Python_4_Biz/3_Lecturer/Lecture_3/ANL252_SU3_Jan2023 (MK Edits).pptx
+++ b/SuSS/2023_Sem1_ANL252_Python_4_Biz/3_Lecturer/Lecture_3/ANL252_SU3_Jan2023 (MK Edits).pptx
@@ -18752,7 +18752,13 @@
           <p:cNvGraphicFramePr>
             <a:graphicFrameLocks/>
           </p:cNvGraphicFramePr>
-          <p:nvPr/>
+          <p:nvPr>
+            <p:extLst>
+              <p:ext uri="{D42A27DB-BD31-4B8C-83A1-F6EECF244321}">
+                <p14:modId xmlns:p14="http://schemas.microsoft.com/office/powerpoint/2010/main" val="1953504236"/>
+              </p:ext>
+            </p:extLst>
+          </p:nvPr>
         </p:nvGraphicFramePr>
         <p:xfrm>
           <a:off x="495522" y="2093160"/>
@@ -18855,7 +18861,13 @@
                       <a:endParaRPr lang="en-SG" dirty="0"/>
                     </a:p>
                   </a:txBody>
-                  <a:tcPr anchor="ctr"/>
+                  <a:tcPr anchor="ctr">
+                    <a:solidFill>
+                      <a:schemeClr val="bg1">
+                        <a:lumMod val="50000"/>
+                      </a:schemeClr>
+                    </a:solidFill>
+                  </a:tcPr>
                 </a:tc>
                 <a:tc>
                   <a:txBody>
@@ -18870,7 +18882,13 @@
                       <a:endParaRPr lang="en-SG" dirty="0"/>
                     </a:p>
                   </a:txBody>
-                  <a:tcPr anchor="ctr"/>
+                  <a:tcPr anchor="ctr">
+                    <a:solidFill>
+                      <a:schemeClr val="bg1">
+                        <a:lumMod val="50000"/>
+                      </a:schemeClr>
+                    </a:solidFill>
+                  </a:tcPr>
                 </a:tc>
                 <a:tc>
                   <a:txBody>
@@ -18885,7 +18903,13 @@
                       <a:endParaRPr lang="en-SG" dirty="0"/>
                     </a:p>
                   </a:txBody>
-                  <a:tcPr anchor="ctr"/>
+                  <a:tcPr anchor="ctr">
+                    <a:solidFill>
+                      <a:schemeClr val="bg1">
+                        <a:lumMod val="50000"/>
+                      </a:schemeClr>
+                    </a:solidFill>
+                  </a:tcPr>
                 </a:tc>
                 <a:extLst>
                   <a:ext uri="{0D108BD9-81ED-4DB2-BD59-A6C34878D82A}">
@@ -18906,7 +18930,13 @@
                       <a:endParaRPr lang="en-SG" dirty="0"/>
                     </a:p>
                   </a:txBody>
-                  <a:tcPr anchor="ctr"/>
+                  <a:tcPr anchor="ctr">
+                    <a:solidFill>
+                      <a:schemeClr val="bg1">
+                        <a:lumMod val="50000"/>
+                      </a:schemeClr>
+                    </a:solidFill>
+                  </a:tcPr>
                 </a:tc>
                 <a:tc>
                   <a:txBody>
@@ -18921,7 +18951,13 @@
                       <a:endParaRPr lang="en-SG" dirty="0"/>
                     </a:p>
                   </a:txBody>
-                  <a:tcPr anchor="ctr"/>
+                  <a:tcPr anchor="ctr">
+                    <a:solidFill>
+                      <a:schemeClr val="bg1">
+                        <a:lumMod val="50000"/>
+                      </a:schemeClr>
+                    </a:solidFill>
+                  </a:tcPr>
                 </a:tc>
                 <a:tc>
                   <a:txBody>
@@ -18936,7 +18972,13 @@
                       <a:endParaRPr lang="en-SG" dirty="0"/>
                     </a:p>
                   </a:txBody>
-                  <a:tcPr anchor="ctr"/>
+                  <a:tcPr anchor="ctr">
+                    <a:solidFill>
+                      <a:schemeClr val="bg1">
+                        <a:lumMod val="50000"/>
+                      </a:schemeClr>
+                    </a:solidFill>
+                  </a:tcPr>
                 </a:tc>
                 <a:extLst>
                   <a:ext uri="{0D108BD9-81ED-4DB2-BD59-A6C34878D82A}">
@@ -18961,7 +19003,13 @@
                       <a:endParaRPr lang="en-SG" dirty="0"/>
                     </a:p>
                   </a:txBody>
-                  <a:tcPr anchor="ctr"/>
+                  <a:tcPr anchor="ctr">
+                    <a:solidFill>
+                      <a:schemeClr val="bg1">
+                        <a:lumMod val="50000"/>
+                      </a:schemeClr>
+                    </a:solidFill>
+                  </a:tcPr>
                 </a:tc>
                 <a:tc>
                   <a:txBody>
@@ -18976,7 +19024,13 @@
                       <a:endParaRPr lang="en-SG" dirty="0"/>
                     </a:p>
                   </a:txBody>
-                  <a:tcPr anchor="ctr"/>
+                  <a:tcPr anchor="ctr">
+                    <a:solidFill>
+                      <a:schemeClr val="bg1">
+                        <a:lumMod val="50000"/>
+                      </a:schemeClr>
+                    </a:solidFill>
+                  </a:tcPr>
                 </a:tc>
                 <a:tc>
                   <a:txBody>
@@ -18990,7 +19044,13 @@
                       </a:r>
                     </a:p>
                   </a:txBody>
-                  <a:tcPr anchor="ctr"/>
+                  <a:tcPr anchor="ctr">
+                    <a:solidFill>
+                      <a:schemeClr val="bg1">
+                        <a:lumMod val="50000"/>
+                      </a:schemeClr>
+                    </a:solidFill>
+                  </a:tcPr>
                 </a:tc>
                 <a:extLst>
                   <a:ext uri="{0D108BD9-81ED-4DB2-BD59-A6C34878D82A}">
@@ -31479,15 +31539,6 @@
 </file>
 
 <file path=customXml/item1.xml><?xml version="1.0" encoding="utf-8"?>
-<?mso-contentType ?>
-<FormTemplates xmlns="http://schemas.microsoft.com/sharepoint/v3/contenttype/forms">
-  <Display>DocumentLibraryForm</Display>
-  <Edit>DocumentLibraryForm</Edit>
-  <New>DocumentLibraryForm</New>
-</FormTemplates>
-</file>
-
-<file path=customXml/item2.xml><?xml version="1.0" encoding="utf-8"?>
 <ct:contentTypeSchema xmlns:ct="http://schemas.microsoft.com/office/2006/metadata/contentType" xmlns:ma="http://schemas.microsoft.com/office/2006/metadata/properties/metaAttributes" ct:_="" ma:_="" ma:contentTypeName="Document" ma:contentTypeID="0x010100606A1258361F104792B87D967037D439" ma:contentTypeVersion="0" ma:contentTypeDescription="Create a new document." ma:contentTypeScope="" ma:versionID="72d9905301751e4347c9ddc8332f4b8d">
   <xsd:schema xmlns:xsd="http://www.w3.org/2001/XMLSchema" xmlns:p="http://schemas.microsoft.com/office/2006/metadata/properties" targetNamespace="http://schemas.microsoft.com/office/2006/metadata/properties" ma:root="true" ma:fieldsID="4aeb20c0e3442673af7ee10786458764">
     <xsd:element name="properties">
@@ -31536,21 +31587,22 @@
 </ct:contentTypeSchema>
 </file>
 
-<file path=customXml/item3.xml><?xml version="1.0" encoding="utf-8"?>
+<file path=customXml/item2.xml><?xml version="1.0" encoding="utf-8"?>
 <p:properties xmlns:p="http://schemas.microsoft.com/office/2006/metadata/properties" xmlns:xsi="http://www.w3.org/2001/XMLSchema-instance">
   <documentManagement/>
 </p:properties>
 </file>
 
-<file path=customXml/itemProps1.xml><?xml version="1.0" encoding="utf-8"?>
-<ds:datastoreItem xmlns:ds="http://schemas.openxmlformats.org/officeDocument/2006/customXml" ds:itemID="{A8AED1B3-2F45-4762-91FA-ED08F295B52E}">
-  <ds:schemaRefs>
-    <ds:schemaRef ds:uri="http://schemas.microsoft.com/sharepoint/v3/contenttype/forms"/>
-  </ds:schemaRefs>
-</ds:datastoreItem>
+<file path=customXml/item3.xml><?xml version="1.0" encoding="utf-8"?>
+<?mso-contentType ?>
+<FormTemplates xmlns="http://schemas.microsoft.com/sharepoint/v3/contenttype/forms">
+  <Display>DocumentLibraryForm</Display>
+  <Edit>DocumentLibraryForm</Edit>
+  <New>DocumentLibraryForm</New>
+</FormTemplates>
 </file>
 
-<file path=customXml/itemProps2.xml><?xml version="1.0" encoding="utf-8"?>
+<file path=customXml/itemProps1.xml><?xml version="1.0" encoding="utf-8"?>
 <ds:datastoreItem xmlns:ds="http://schemas.openxmlformats.org/officeDocument/2006/customXml" ds:itemID="{F223B4EA-C447-40BA-B202-65C188424725}">
   <ds:schemaRefs>
     <ds:schemaRef ds:uri="http://schemas.microsoft.com/office/2006/metadata/contentType"/>
@@ -31565,7 +31617,7 @@
 </ds:datastoreItem>
 </file>
 
-<file path=customXml/itemProps3.xml><?xml version="1.0" encoding="utf-8"?>
+<file path=customXml/itemProps2.xml><?xml version="1.0" encoding="utf-8"?>
 <ds:datastoreItem xmlns:ds="http://schemas.openxmlformats.org/officeDocument/2006/customXml" ds:itemID="{50BC6695-9009-4E8C-96D7-2BD9B437109A}">
   <ds:schemaRefs>
     <ds:schemaRef ds:uri="http://schemas.microsoft.com/office/2006/metadata/properties"/>
@@ -31577,4 +31629,12 @@
     <ds:schemaRef ds:uri="http://purl.org/dc/dcmitype/"/>
   </ds:schemaRefs>
 </ds:datastoreItem>
+</file>
+
+<file path=customXml/itemProps3.xml><?xml version="1.0" encoding="utf-8"?>
+<ds:datastoreItem xmlns:ds="http://schemas.openxmlformats.org/officeDocument/2006/customXml" ds:itemID="{A8AED1B3-2F45-4762-91FA-ED08F295B52E}">
+  <ds:schemaRefs>
+    <ds:schemaRef ds:uri="http://schemas.microsoft.com/sharepoint/v3/contenttype/forms"/>
+  </ds:schemaRefs>
+</ds:datastoreItem>
 </file>